--- a/파이썬_강좌/8. 파이썬 기초 함수.pptx
+++ b/파이썬_강좌/8. 파이썬 기초 함수.pptx
@@ -19,7 +19,7 @@
     <p:sldId id="264" r:id="rId10"/>
     <p:sldId id="265" r:id="rId11"/>
   </p:sldIdLst>
-  <p:sldSz cx="9144000" cy="6858000" type="screen4x3"/>
+  <p:sldSz cx="12192000" cy="6858000"/>
   <p:notesSz cx="6858000" cy="9144000"/>
   <p:defaultTextStyle>
     <a:defPPr marR="0" lvl="0" algn="l" rtl="0">
@@ -253,12 +253,12 @@
   <p:extLst>
     <p:ext uri="{EFAFB233-063F-42B5-8137-9DF3F51BA10A}">
       <p15:sldGuideLst xmlns:p15="http://schemas.microsoft.com/office/powerpoint/2012/main">
-        <p15:guide id="1" orient="horz" pos="2160">
+        <p15:guide id="1" orient="horz" pos="2160" userDrawn="1">
           <p15:clr>
             <a:srgbClr val="A4A3A4"/>
           </p15:clr>
         </p15:guide>
-        <p15:guide id="2" pos="2880">
+        <p15:guide id="2" pos="3840" userDrawn="1">
           <p15:clr>
             <a:srgbClr val="A4A3A4"/>
           </p15:clr>
@@ -303,8 +303,8 @@
         </p:nvSpPr>
         <p:spPr>
           <a:xfrm>
-            <a:off x="1143309" y="685800"/>
-            <a:ext cx="4572000" cy="3429000"/>
+            <a:off x="381000" y="685800"/>
+            <a:ext cx="6096000" cy="3429000"/>
           </a:xfrm>
           <a:custGeom>
             <a:avLst/>
@@ -739,8 +739,8 @@
         </p:nvSpPr>
         <p:spPr>
           <a:xfrm>
-            <a:off x="1143309" y="685800"/>
-            <a:ext cx="4572000" cy="3429000"/>
+            <a:off x="381000" y="685800"/>
+            <a:ext cx="6096000" cy="3429000"/>
           </a:xfrm>
           <a:custGeom>
             <a:avLst/>
@@ -843,8 +843,8 @@
         </p:nvSpPr>
         <p:spPr>
           <a:xfrm>
-            <a:off x="1143309" y="685800"/>
-            <a:ext cx="4572000" cy="3429000"/>
+            <a:off x="381000" y="685800"/>
+            <a:ext cx="6096000" cy="3429000"/>
           </a:xfrm>
           <a:custGeom>
             <a:avLst/>
@@ -947,8 +947,8 @@
         </p:nvSpPr>
         <p:spPr>
           <a:xfrm>
-            <a:off x="1143309" y="685800"/>
-            <a:ext cx="4572000" cy="3429000"/>
+            <a:off x="381000" y="685800"/>
+            <a:ext cx="6096000" cy="3429000"/>
           </a:xfrm>
           <a:custGeom>
             <a:avLst/>
@@ -1051,8 +1051,8 @@
         </p:nvSpPr>
         <p:spPr>
           <a:xfrm>
-            <a:off x="1143000" y="685800"/>
-            <a:ext cx="4572000" cy="3429000"/>
+            <a:off x="381000" y="685800"/>
+            <a:ext cx="6096000" cy="3429000"/>
           </a:xfrm>
           <a:custGeom>
             <a:avLst/>
@@ -1155,8 +1155,8 @@
         </p:nvSpPr>
         <p:spPr>
           <a:xfrm>
-            <a:off x="1143000" y="685800"/>
-            <a:ext cx="4572000" cy="3429000"/>
+            <a:off x="381000" y="685800"/>
+            <a:ext cx="6096000" cy="3429000"/>
           </a:xfrm>
           <a:custGeom>
             <a:avLst/>
@@ -1259,8 +1259,8 @@
         </p:nvSpPr>
         <p:spPr>
           <a:xfrm>
-            <a:off x="1143309" y="685800"/>
-            <a:ext cx="4572000" cy="3429000"/>
+            <a:off x="381000" y="685800"/>
+            <a:ext cx="6096000" cy="3429000"/>
           </a:xfrm>
           <a:custGeom>
             <a:avLst/>
@@ -1363,8 +1363,8 @@
         </p:nvSpPr>
         <p:spPr>
           <a:xfrm>
-            <a:off x="1143309" y="685800"/>
-            <a:ext cx="4572000" cy="3429000"/>
+            <a:off x="381000" y="685800"/>
+            <a:ext cx="6096000" cy="3429000"/>
           </a:xfrm>
           <a:custGeom>
             <a:avLst/>
@@ -1467,8 +1467,8 @@
         </p:nvSpPr>
         <p:spPr>
           <a:xfrm>
-            <a:off x="1143309" y="685800"/>
-            <a:ext cx="4572000" cy="3429000"/>
+            <a:off x="381000" y="685800"/>
+            <a:ext cx="6096000" cy="3429000"/>
           </a:xfrm>
           <a:custGeom>
             <a:avLst/>
@@ -1571,8 +1571,8 @@
         </p:nvSpPr>
         <p:spPr>
           <a:xfrm>
-            <a:off x="1143309" y="685800"/>
-            <a:ext cx="4572000" cy="3429000"/>
+            <a:off x="381000" y="685800"/>
+            <a:ext cx="6096000" cy="3429000"/>
           </a:xfrm>
           <a:custGeom>
             <a:avLst/>
@@ -1675,8 +1675,8 @@
         </p:nvSpPr>
         <p:spPr>
           <a:xfrm>
-            <a:off x="1143309" y="685800"/>
-            <a:ext cx="4572000" cy="3429000"/>
+            <a:off x="381000" y="685800"/>
+            <a:ext cx="6096000" cy="3429000"/>
           </a:xfrm>
           <a:custGeom>
             <a:avLst/>
@@ -1779,8 +1779,8 @@
         </p:nvSpPr>
         <p:spPr>
           <a:xfrm>
-            <a:off x="311708" y="992767"/>
-            <a:ext cx="8520600" cy="2736900"/>
+            <a:off x="415611" y="992767"/>
+            <a:ext cx="11360800" cy="2736900"/>
           </a:xfrm>
           <a:prstGeom prst="rect">
             <a:avLst/>
@@ -1908,8 +1908,8 @@
         </p:nvSpPr>
         <p:spPr>
           <a:xfrm>
-            <a:off x="311700" y="3778833"/>
-            <a:ext cx="8520600" cy="1056900"/>
+            <a:off x="415600" y="3778833"/>
+            <a:ext cx="11360800" cy="1056900"/>
           </a:xfrm>
           <a:prstGeom prst="rect">
             <a:avLst/>
@@ -2064,8 +2064,8 @@
         </p:nvSpPr>
         <p:spPr>
           <a:xfrm>
-            <a:off x="8472458" y="6217622"/>
-            <a:ext cx="548700" cy="524700"/>
+            <a:off x="11296611" y="6217622"/>
+            <a:ext cx="731600" cy="524700"/>
           </a:xfrm>
           <a:prstGeom prst="rect">
             <a:avLst/>
@@ -2114,23 +2114,45 @@
             </a:lvl9pPr>
           </a:lstStyle>
           <a:p>
-            <a:pPr marL="0" lvl="0" indent="0" algn="r" rtl="0">
-              <a:spcBef>
-                <a:spcPts val="0"/>
-              </a:spcBef>
-              <a:spcAft>
-                <a:spcPts val="0"/>
-              </a:spcAft>
-              <a:buNone/>
-            </a:pPr>
             <a:fld id="{00000000-1234-1234-1234-123412341234}" type="slidenum">
-              <a:rPr lang="en"/>
+              <a:rPr lang="en" smtClean="0"/>
+              <a:pPr/>
               <a:t>‹#›</a:t>
             </a:fld>
-            <a:endParaRPr/>
+            <a:endParaRPr lang="en"/>
           </a:p>
         </p:txBody>
       </p:sp>
+      <p:pic>
+        <p:nvPicPr>
+          <p:cNvPr id="2" name="그림 1">
+            <a:extLst>
+              <a:ext uri="{FF2B5EF4-FFF2-40B4-BE49-F238E27FC236}">
+                <a16:creationId xmlns:a16="http://schemas.microsoft.com/office/drawing/2014/main" id="{B91A9B19-48F2-E4B4-D218-5354A3F1AFFD}"/>
+              </a:ext>
+            </a:extLst>
+          </p:cNvPr>
+          <p:cNvPicPr>
+            <a:picLocks noChangeAspect="1"/>
+          </p:cNvPicPr>
+          <p:nvPr userDrawn="1"/>
+        </p:nvPicPr>
+        <p:blipFill>
+          <a:blip r:embed="rId2"/>
+          <a:stretch>
+            <a:fillRect/>
+          </a:stretch>
+        </p:blipFill>
+        <p:spPr>
+          <a:xfrm>
+            <a:off x="4772910" y="4688868"/>
+            <a:ext cx="2646180" cy="1046769"/>
+          </a:xfrm>
+          <a:prstGeom prst="rect">
+            <a:avLst/>
+          </a:prstGeom>
+        </p:spPr>
+      </p:pic>
     </p:spTree>
   </p:cSld>
   <p:clrMapOvr>
@@ -2168,8 +2190,8 @@
         </p:nvSpPr>
         <p:spPr>
           <a:xfrm>
-            <a:off x="311700" y="1474833"/>
-            <a:ext cx="8520600" cy="2618100"/>
+            <a:off x="415600" y="1474833"/>
+            <a:ext cx="11360800" cy="2618100"/>
           </a:xfrm>
           <a:prstGeom prst="rect">
             <a:avLst/>
@@ -2299,8 +2321,8 @@
         </p:nvSpPr>
         <p:spPr>
           <a:xfrm>
-            <a:off x="311700" y="4202967"/>
-            <a:ext cx="8520600" cy="1734300"/>
+            <a:off x="415600" y="4202967"/>
+            <a:ext cx="11360800" cy="1734300"/>
           </a:xfrm>
           <a:prstGeom prst="rect">
             <a:avLst/>
@@ -2428,8 +2450,8 @@
         </p:nvSpPr>
         <p:spPr>
           <a:xfrm>
-            <a:off x="8472458" y="6217622"/>
-            <a:ext cx="548700" cy="524700"/>
+            <a:off x="11296611" y="6217622"/>
+            <a:ext cx="731600" cy="524700"/>
           </a:xfrm>
           <a:prstGeom prst="rect">
             <a:avLst/>
@@ -2478,20 +2500,12 @@
             </a:lvl9pPr>
           </a:lstStyle>
           <a:p>
-            <a:pPr marL="0" lvl="0" indent="0" algn="r" rtl="0">
-              <a:spcBef>
-                <a:spcPts val="0"/>
-              </a:spcBef>
-              <a:spcAft>
-                <a:spcPts val="0"/>
-              </a:spcAft>
-              <a:buNone/>
-            </a:pPr>
             <a:fld id="{00000000-1234-1234-1234-123412341234}" type="slidenum">
-              <a:rPr lang="en"/>
+              <a:rPr lang="en" smtClean="0"/>
+              <a:pPr/>
               <a:t>‹#›</a:t>
             </a:fld>
-            <a:endParaRPr/>
+            <a:endParaRPr lang="en"/>
           </a:p>
         </p:txBody>
       </p:sp>
@@ -2532,8 +2546,8 @@
         </p:nvSpPr>
         <p:spPr>
           <a:xfrm>
-            <a:off x="8472458" y="6217622"/>
-            <a:ext cx="548700" cy="524700"/>
+            <a:off x="11296611" y="6217622"/>
+            <a:ext cx="731600" cy="524700"/>
           </a:xfrm>
           <a:prstGeom prst="rect">
             <a:avLst/>
@@ -2582,20 +2596,12 @@
             </a:lvl9pPr>
           </a:lstStyle>
           <a:p>
-            <a:pPr marL="0" lvl="0" indent="0" algn="r" rtl="0">
-              <a:spcBef>
-                <a:spcPts val="0"/>
-              </a:spcBef>
-              <a:spcAft>
-                <a:spcPts val="0"/>
-              </a:spcAft>
-              <a:buNone/>
-            </a:pPr>
             <a:fld id="{00000000-1234-1234-1234-123412341234}" type="slidenum">
-              <a:rPr lang="en"/>
+              <a:rPr lang="en" smtClean="0"/>
+              <a:pPr/>
               <a:t>‹#›</a:t>
             </a:fld>
-            <a:endParaRPr/>
+            <a:endParaRPr lang="en"/>
           </a:p>
         </p:txBody>
       </p:sp>
@@ -2636,8 +2642,8 @@
         </p:nvSpPr>
         <p:spPr>
           <a:xfrm>
-            <a:off x="311700" y="2867800"/>
-            <a:ext cx="8520600" cy="1122300"/>
+            <a:off x="415600" y="2867800"/>
+            <a:ext cx="11360800" cy="1122300"/>
           </a:xfrm>
           <a:prstGeom prst="rect">
             <a:avLst/>
@@ -2765,8 +2771,8 @@
         </p:nvSpPr>
         <p:spPr>
           <a:xfrm>
-            <a:off x="8472458" y="6217622"/>
-            <a:ext cx="548700" cy="524700"/>
+            <a:off x="11296611" y="6217622"/>
+            <a:ext cx="731600" cy="524700"/>
           </a:xfrm>
           <a:prstGeom prst="rect">
             <a:avLst/>
@@ -2815,20 +2821,12 @@
             </a:lvl9pPr>
           </a:lstStyle>
           <a:p>
-            <a:pPr marL="0" lvl="0" indent="0" algn="r" rtl="0">
-              <a:spcBef>
-                <a:spcPts val="0"/>
-              </a:spcBef>
-              <a:spcAft>
-                <a:spcPts val="0"/>
-              </a:spcAft>
-              <a:buNone/>
-            </a:pPr>
             <a:fld id="{00000000-1234-1234-1234-123412341234}" type="slidenum">
-              <a:rPr lang="en"/>
+              <a:rPr lang="en" smtClean="0"/>
+              <a:pPr/>
               <a:t>‹#›</a:t>
             </a:fld>
-            <a:endParaRPr/>
+            <a:endParaRPr lang="en"/>
           </a:p>
         </p:txBody>
       </p:sp>
@@ -2869,8 +2867,8 @@
         </p:nvSpPr>
         <p:spPr>
           <a:xfrm>
-            <a:off x="311700" y="593367"/>
-            <a:ext cx="8520600" cy="763500"/>
+            <a:off x="415600" y="593367"/>
+            <a:ext cx="11360800" cy="763500"/>
           </a:xfrm>
           <a:prstGeom prst="rect">
             <a:avLst/>
@@ -2998,8 +2996,8 @@
         </p:nvSpPr>
         <p:spPr>
           <a:xfrm>
-            <a:off x="311700" y="1536633"/>
-            <a:ext cx="8520600" cy="4555200"/>
+            <a:off x="415600" y="1536633"/>
+            <a:ext cx="11360800" cy="4555200"/>
           </a:xfrm>
           <a:prstGeom prst="rect">
             <a:avLst/>
@@ -3127,8 +3125,8 @@
         </p:nvSpPr>
         <p:spPr>
           <a:xfrm>
-            <a:off x="8472458" y="6217622"/>
-            <a:ext cx="548700" cy="524700"/>
+            <a:off x="11296611" y="6217622"/>
+            <a:ext cx="731600" cy="524700"/>
           </a:xfrm>
           <a:prstGeom prst="rect">
             <a:avLst/>
@@ -3177,20 +3175,12 @@
             </a:lvl9pPr>
           </a:lstStyle>
           <a:p>
-            <a:pPr marL="0" lvl="0" indent="0" algn="r" rtl="0">
-              <a:spcBef>
-                <a:spcPts val="0"/>
-              </a:spcBef>
-              <a:spcAft>
-                <a:spcPts val="0"/>
-              </a:spcAft>
-              <a:buNone/>
-            </a:pPr>
             <a:fld id="{00000000-1234-1234-1234-123412341234}" type="slidenum">
-              <a:rPr lang="en"/>
+              <a:rPr lang="en" smtClean="0"/>
+              <a:pPr/>
               <a:t>‹#›</a:t>
             </a:fld>
-            <a:endParaRPr/>
+            <a:endParaRPr lang="en"/>
           </a:p>
         </p:txBody>
       </p:sp>
@@ -3231,8 +3221,8 @@
         </p:nvSpPr>
         <p:spPr>
           <a:xfrm>
-            <a:off x="311700" y="593367"/>
-            <a:ext cx="8520600" cy="763500"/>
+            <a:off x="415600" y="593367"/>
+            <a:ext cx="11360800" cy="763500"/>
           </a:xfrm>
           <a:prstGeom prst="rect">
             <a:avLst/>
@@ -3360,8 +3350,8 @@
         </p:nvSpPr>
         <p:spPr>
           <a:xfrm>
-            <a:off x="311700" y="1536633"/>
-            <a:ext cx="3999900" cy="4555200"/>
+            <a:off x="415600" y="1536633"/>
+            <a:ext cx="5333200" cy="4555200"/>
           </a:xfrm>
           <a:prstGeom prst="rect">
             <a:avLst/>
@@ -3489,8 +3479,8 @@
         </p:nvSpPr>
         <p:spPr>
           <a:xfrm>
-            <a:off x="4832400" y="1536633"/>
-            <a:ext cx="3999900" cy="4555200"/>
+            <a:off x="6443200" y="1536633"/>
+            <a:ext cx="5333200" cy="4555200"/>
           </a:xfrm>
           <a:prstGeom prst="rect">
             <a:avLst/>
@@ -3618,8 +3608,8 @@
         </p:nvSpPr>
         <p:spPr>
           <a:xfrm>
-            <a:off x="8472458" y="6217622"/>
-            <a:ext cx="548700" cy="524700"/>
+            <a:off x="11296611" y="6217622"/>
+            <a:ext cx="731600" cy="524700"/>
           </a:xfrm>
           <a:prstGeom prst="rect">
             <a:avLst/>
@@ -3668,20 +3658,12 @@
             </a:lvl9pPr>
           </a:lstStyle>
           <a:p>
-            <a:pPr marL="0" lvl="0" indent="0" algn="r" rtl="0">
-              <a:spcBef>
-                <a:spcPts val="0"/>
-              </a:spcBef>
-              <a:spcAft>
-                <a:spcPts val="0"/>
-              </a:spcAft>
-              <a:buNone/>
-            </a:pPr>
             <a:fld id="{00000000-1234-1234-1234-123412341234}" type="slidenum">
-              <a:rPr lang="en"/>
+              <a:rPr lang="en" smtClean="0"/>
+              <a:pPr/>
               <a:t>‹#›</a:t>
             </a:fld>
-            <a:endParaRPr/>
+            <a:endParaRPr lang="en"/>
           </a:p>
         </p:txBody>
       </p:sp>
@@ -3722,8 +3704,8 @@
         </p:nvSpPr>
         <p:spPr>
           <a:xfrm>
-            <a:off x="311700" y="593367"/>
-            <a:ext cx="8520600" cy="763500"/>
+            <a:off x="415600" y="593367"/>
+            <a:ext cx="11360800" cy="763500"/>
           </a:xfrm>
           <a:prstGeom prst="rect">
             <a:avLst/>
@@ -3851,8 +3833,8 @@
         </p:nvSpPr>
         <p:spPr>
           <a:xfrm>
-            <a:off x="8472458" y="6217622"/>
-            <a:ext cx="548700" cy="524700"/>
+            <a:off x="11296611" y="6217622"/>
+            <a:ext cx="731600" cy="524700"/>
           </a:xfrm>
           <a:prstGeom prst="rect">
             <a:avLst/>
@@ -3901,20 +3883,12 @@
             </a:lvl9pPr>
           </a:lstStyle>
           <a:p>
-            <a:pPr marL="0" lvl="0" indent="0" algn="r" rtl="0">
-              <a:spcBef>
-                <a:spcPts val="0"/>
-              </a:spcBef>
-              <a:spcAft>
-                <a:spcPts val="0"/>
-              </a:spcAft>
-              <a:buNone/>
-            </a:pPr>
             <a:fld id="{00000000-1234-1234-1234-123412341234}" type="slidenum">
-              <a:rPr lang="en"/>
+              <a:rPr lang="en" smtClean="0"/>
+              <a:pPr/>
               <a:t>‹#›</a:t>
             </a:fld>
-            <a:endParaRPr/>
+            <a:endParaRPr lang="en"/>
           </a:p>
         </p:txBody>
       </p:sp>
@@ -3955,8 +3929,8 @@
         </p:nvSpPr>
         <p:spPr>
           <a:xfrm>
-            <a:off x="311700" y="740800"/>
-            <a:ext cx="2808000" cy="1007700"/>
+            <a:off x="415600" y="740800"/>
+            <a:ext cx="3744000" cy="1007700"/>
           </a:xfrm>
           <a:prstGeom prst="rect">
             <a:avLst/>
@@ -4084,8 +4058,8 @@
         </p:nvSpPr>
         <p:spPr>
           <a:xfrm>
-            <a:off x="311700" y="1852800"/>
-            <a:ext cx="2808000" cy="4239300"/>
+            <a:off x="415600" y="1852800"/>
+            <a:ext cx="3744000" cy="4239300"/>
           </a:xfrm>
           <a:prstGeom prst="rect">
             <a:avLst/>
@@ -4213,8 +4187,8 @@
         </p:nvSpPr>
         <p:spPr>
           <a:xfrm>
-            <a:off x="8472458" y="6217622"/>
-            <a:ext cx="548700" cy="524700"/>
+            <a:off x="11296611" y="6217622"/>
+            <a:ext cx="731600" cy="524700"/>
           </a:xfrm>
           <a:prstGeom prst="rect">
             <a:avLst/>
@@ -4263,20 +4237,12 @@
             </a:lvl9pPr>
           </a:lstStyle>
           <a:p>
-            <a:pPr marL="0" lvl="0" indent="0" algn="r" rtl="0">
-              <a:spcBef>
-                <a:spcPts val="0"/>
-              </a:spcBef>
-              <a:spcAft>
-                <a:spcPts val="0"/>
-              </a:spcAft>
-              <a:buNone/>
-            </a:pPr>
             <a:fld id="{00000000-1234-1234-1234-123412341234}" type="slidenum">
-              <a:rPr lang="en"/>
+              <a:rPr lang="en" smtClean="0"/>
+              <a:pPr/>
               <a:t>‹#›</a:t>
             </a:fld>
-            <a:endParaRPr/>
+            <a:endParaRPr lang="en"/>
           </a:p>
         </p:txBody>
       </p:sp>
@@ -4317,8 +4283,8 @@
         </p:nvSpPr>
         <p:spPr>
           <a:xfrm>
-            <a:off x="490250" y="600200"/>
-            <a:ext cx="6367800" cy="5454300"/>
+            <a:off x="653667" y="600200"/>
+            <a:ext cx="8490400" cy="5454300"/>
           </a:xfrm>
           <a:prstGeom prst="rect">
             <a:avLst/>
@@ -4446,8 +4412,8 @@
         </p:nvSpPr>
         <p:spPr>
           <a:xfrm>
-            <a:off x="8472458" y="6217622"/>
-            <a:ext cx="548700" cy="524700"/>
+            <a:off x="11296611" y="6217622"/>
+            <a:ext cx="731600" cy="524700"/>
           </a:xfrm>
           <a:prstGeom prst="rect">
             <a:avLst/>
@@ -4496,20 +4462,12 @@
             </a:lvl9pPr>
           </a:lstStyle>
           <a:p>
-            <a:pPr marL="0" lvl="0" indent="0" algn="r" rtl="0">
-              <a:spcBef>
-                <a:spcPts val="0"/>
-              </a:spcBef>
-              <a:spcAft>
-                <a:spcPts val="0"/>
-              </a:spcAft>
-              <a:buNone/>
-            </a:pPr>
             <a:fld id="{00000000-1234-1234-1234-123412341234}" type="slidenum">
-              <a:rPr lang="en"/>
+              <a:rPr lang="en" smtClean="0"/>
+              <a:pPr/>
               <a:t>‹#›</a:t>
             </a:fld>
-            <a:endParaRPr/>
+            <a:endParaRPr lang="en"/>
           </a:p>
         </p:txBody>
       </p:sp>
@@ -4546,8 +4504,8 @@
         </p:nvSpPr>
         <p:spPr>
           <a:xfrm>
-            <a:off x="4572000" y="-167"/>
-            <a:ext cx="4572000" cy="6858000"/>
+            <a:off x="6096000" y="-167"/>
+            <a:ext cx="6096000" cy="6858000"/>
           </a:xfrm>
           <a:prstGeom prst="rect">
             <a:avLst/>
@@ -4574,7 +4532,7 @@
               </a:spcAft>
               <a:buNone/>
             </a:pPr>
-            <a:endParaRPr/>
+            <a:endParaRPr sz="1400"/>
           </a:p>
         </p:txBody>
       </p:sp>
@@ -4590,8 +4548,8 @@
         </p:nvSpPr>
         <p:spPr>
           <a:xfrm>
-            <a:off x="265500" y="1644233"/>
-            <a:ext cx="4045200" cy="1976400"/>
+            <a:off x="354000" y="1644233"/>
+            <a:ext cx="5393600" cy="1976400"/>
           </a:xfrm>
           <a:prstGeom prst="rect">
             <a:avLst/>
@@ -4719,8 +4677,8 @@
         </p:nvSpPr>
         <p:spPr>
           <a:xfrm>
-            <a:off x="265500" y="3737433"/>
-            <a:ext cx="4045200" cy="1646700"/>
+            <a:off x="354000" y="3737433"/>
+            <a:ext cx="5393600" cy="1646700"/>
           </a:xfrm>
           <a:prstGeom prst="rect">
             <a:avLst/>
@@ -4875,8 +4833,8 @@
         </p:nvSpPr>
         <p:spPr>
           <a:xfrm>
-            <a:off x="4939500" y="965433"/>
-            <a:ext cx="3837000" cy="4926900"/>
+            <a:off x="6586000" y="965433"/>
+            <a:ext cx="5116000" cy="4926900"/>
           </a:xfrm>
           <a:prstGeom prst="rect">
             <a:avLst/>
@@ -5004,8 +4962,8 @@
         </p:nvSpPr>
         <p:spPr>
           <a:xfrm>
-            <a:off x="8472458" y="6217622"/>
-            <a:ext cx="548700" cy="524700"/>
+            <a:off x="11296611" y="6217622"/>
+            <a:ext cx="731600" cy="524700"/>
           </a:xfrm>
           <a:prstGeom prst="rect">
             <a:avLst/>
@@ -5054,20 +5012,12 @@
             </a:lvl9pPr>
           </a:lstStyle>
           <a:p>
-            <a:pPr marL="0" lvl="0" indent="0" algn="r" rtl="0">
-              <a:spcBef>
-                <a:spcPts val="0"/>
-              </a:spcBef>
-              <a:spcAft>
-                <a:spcPts val="0"/>
-              </a:spcAft>
-              <a:buNone/>
-            </a:pPr>
             <a:fld id="{00000000-1234-1234-1234-123412341234}" type="slidenum">
-              <a:rPr lang="en"/>
+              <a:rPr lang="en" smtClean="0"/>
+              <a:pPr/>
               <a:t>‹#›</a:t>
             </a:fld>
-            <a:endParaRPr/>
+            <a:endParaRPr lang="en"/>
           </a:p>
         </p:txBody>
       </p:sp>
@@ -5108,8 +5058,8 @@
         </p:nvSpPr>
         <p:spPr>
           <a:xfrm>
-            <a:off x="311700" y="5640767"/>
-            <a:ext cx="5998800" cy="806700"/>
+            <a:off x="415600" y="5640767"/>
+            <a:ext cx="7998400" cy="806700"/>
           </a:xfrm>
           <a:prstGeom prst="rect">
             <a:avLst/>
@@ -5152,8 +5102,8 @@
         </p:nvSpPr>
         <p:spPr>
           <a:xfrm>
-            <a:off x="8472458" y="6217622"/>
-            <a:ext cx="548700" cy="524700"/>
+            <a:off x="11296611" y="6217622"/>
+            <a:ext cx="731600" cy="524700"/>
           </a:xfrm>
           <a:prstGeom prst="rect">
             <a:avLst/>
@@ -5202,20 +5152,12 @@
             </a:lvl9pPr>
           </a:lstStyle>
           <a:p>
-            <a:pPr marL="0" lvl="0" indent="0" algn="r" rtl="0">
-              <a:spcBef>
-                <a:spcPts val="0"/>
-              </a:spcBef>
-              <a:spcAft>
-                <a:spcPts val="0"/>
-              </a:spcAft>
-              <a:buNone/>
-            </a:pPr>
             <a:fld id="{00000000-1234-1234-1234-123412341234}" type="slidenum">
-              <a:rPr lang="en"/>
+              <a:rPr lang="en" smtClean="0"/>
+              <a:pPr/>
               <a:t>‹#›</a:t>
             </a:fld>
-            <a:endParaRPr/>
+            <a:endParaRPr lang="en"/>
           </a:p>
         </p:txBody>
       </p:sp>
@@ -5264,8 +5206,8 @@
         </p:nvSpPr>
         <p:spPr>
           <a:xfrm>
-            <a:off x="311700" y="593367"/>
-            <a:ext cx="8520600" cy="763500"/>
+            <a:off x="415600" y="593367"/>
+            <a:ext cx="11360800" cy="763500"/>
           </a:xfrm>
           <a:prstGeom prst="rect">
             <a:avLst/>
@@ -5460,8 +5402,8 @@
         </p:nvSpPr>
         <p:spPr>
           <a:xfrm>
-            <a:off x="311700" y="1536633"/>
-            <a:ext cx="8520600" cy="4555200"/>
+            <a:off x="415600" y="1536633"/>
+            <a:ext cx="11360800" cy="4555200"/>
           </a:xfrm>
           <a:prstGeom prst="rect">
             <a:avLst/>
@@ -5683,8 +5625,8 @@
         </p:nvSpPr>
         <p:spPr>
           <a:xfrm>
-            <a:off x="8472458" y="6217622"/>
-            <a:ext cx="548700" cy="524700"/>
+            <a:off x="11296611" y="6217622"/>
+            <a:ext cx="731600" cy="524700"/>
           </a:xfrm>
           <a:prstGeom prst="rect">
             <a:avLst/>
@@ -5773,20 +5715,121 @@
             </a:lvl9pPr>
           </a:lstStyle>
           <a:p>
-            <a:pPr marL="0" lvl="0" indent="0" algn="r" rtl="0">
-              <a:spcBef>
-                <a:spcPts val="0"/>
-              </a:spcBef>
-              <a:spcAft>
-                <a:spcPts val="0"/>
-              </a:spcAft>
-              <a:buNone/>
-            </a:pPr>
             <a:fld id="{00000000-1234-1234-1234-123412341234}" type="slidenum">
-              <a:rPr lang="en"/>
+              <a:rPr lang="en" smtClean="0"/>
+              <a:pPr/>
               <a:t>‹#›</a:t>
             </a:fld>
-            <a:endParaRPr/>
+            <a:endParaRPr lang="en"/>
+          </a:p>
+        </p:txBody>
+      </p:sp>
+      <p:cxnSp>
+        <p:nvCxnSpPr>
+          <p:cNvPr id="2" name="직선 연결선 1">
+            <a:extLst>
+              <a:ext uri="{FF2B5EF4-FFF2-40B4-BE49-F238E27FC236}">
+                <a16:creationId xmlns:a16="http://schemas.microsoft.com/office/drawing/2014/main" id="{60AC2A8A-3030-4FDC-4386-41908FA1CFEB}"/>
+              </a:ext>
+            </a:extLst>
+          </p:cNvPr>
+          <p:cNvCxnSpPr>
+            <a:cxnSpLocks/>
+          </p:cNvCxnSpPr>
+          <p:nvPr userDrawn="1"/>
+        </p:nvCxnSpPr>
+        <p:spPr>
+          <a:xfrm>
+            <a:off x="0" y="365125"/>
+            <a:ext cx="10582183" cy="0"/>
+          </a:xfrm>
+          <a:prstGeom prst="line">
+            <a:avLst/>
+          </a:prstGeom>
+          <a:ln w="38100"/>
+        </p:spPr>
+        <p:style>
+          <a:lnRef idx="1">
+            <a:schemeClr val="accent1"/>
+          </a:lnRef>
+          <a:fillRef idx="0">
+            <a:schemeClr val="accent1"/>
+          </a:fillRef>
+          <a:effectRef idx="0">
+            <a:schemeClr val="accent1"/>
+          </a:effectRef>
+          <a:fontRef idx="minor">
+            <a:schemeClr val="tx1"/>
+          </a:fontRef>
+        </p:style>
+      </p:cxnSp>
+      <p:pic>
+        <p:nvPicPr>
+          <p:cNvPr id="3" name="그림 2">
+            <a:extLst>
+              <a:ext uri="{FF2B5EF4-FFF2-40B4-BE49-F238E27FC236}">
+                <a16:creationId xmlns:a16="http://schemas.microsoft.com/office/drawing/2014/main" id="{87B12046-4080-E18C-C905-41D271FB8C8A}"/>
+              </a:ext>
+            </a:extLst>
+          </p:cNvPr>
+          <p:cNvPicPr>
+            <a:picLocks noChangeAspect="1"/>
+          </p:cNvPicPr>
+          <p:nvPr userDrawn="1"/>
+        </p:nvPicPr>
+        <p:blipFill>
+          <a:blip r:embed="rId13"/>
+          <a:stretch>
+            <a:fillRect/>
+          </a:stretch>
+        </p:blipFill>
+        <p:spPr>
+          <a:xfrm>
+            <a:off x="10758910" y="129799"/>
+            <a:ext cx="1189780" cy="470650"/>
+          </a:xfrm>
+          <a:prstGeom prst="rect">
+            <a:avLst/>
+          </a:prstGeom>
+        </p:spPr>
+      </p:pic>
+      <p:sp>
+        <p:nvSpPr>
+          <p:cNvPr id="4" name="TextBox 3">
+            <a:extLst>
+              <a:ext uri="{FF2B5EF4-FFF2-40B4-BE49-F238E27FC236}">
+                <a16:creationId xmlns:a16="http://schemas.microsoft.com/office/drawing/2014/main" id="{AD83719C-7301-192C-14D6-90AA418A66D4}"/>
+              </a:ext>
+            </a:extLst>
+          </p:cNvPr>
+          <p:cNvSpPr txBox="1"/>
+          <p:nvPr userDrawn="1"/>
+        </p:nvSpPr>
+        <p:spPr>
+          <a:xfrm>
+            <a:off x="5112397" y="6409678"/>
+            <a:ext cx="1967205" cy="307777"/>
+          </a:xfrm>
+          <a:prstGeom prst="rect">
+            <a:avLst/>
+          </a:prstGeom>
+          <a:noFill/>
+        </p:spPr>
+        <p:txBody>
+          <a:bodyPr wrap="none" rtlCol="0">
+            <a:spAutoFit/>
+          </a:bodyPr>
+          <a:lstStyle/>
+          <a:p>
+            <a:r>
+              <a:rPr lang="en-US" altLang="ko-KR" sz="1400" b="0" dirty="0"/>
+              <a:t>Copyright 2022 </a:t>
+            </a:r>
+            <a:r>
+              <a:rPr lang="en-US" altLang="ko-KR" sz="1400" b="0" dirty="0" err="1"/>
+              <a:t>jdedu</a:t>
+            </a:r>
+            <a:endParaRPr lang="ko-KR" altLang="en-US" sz="1400" b="0" dirty="0"/>
           </a:p>
         </p:txBody>
       </p:sp>
@@ -6528,7 +6571,7 @@
         </p:nvSpPr>
         <p:spPr>
           <a:xfrm>
-            <a:off x="311708" y="992767"/>
+            <a:off x="1835708" y="992767"/>
             <a:ext cx="8520600" cy="2736900"/>
           </a:xfrm>
           <a:prstGeom prst="rect">
@@ -6541,15 +6584,6 @@
           </a:bodyPr>
           <a:lstStyle/>
           <a:p>
-            <a:pPr marL="0" lvl="0" indent="0" algn="ctr" rtl="0">
-              <a:spcBef>
-                <a:spcPts val="0"/>
-              </a:spcBef>
-              <a:spcAft>
-                <a:spcPts val="0"/>
-              </a:spcAft>
-              <a:buNone/>
-            </a:pPr>
             <a:r>
               <a:rPr lang="en" sz="4800" b="1">
                 <a:solidFill>
@@ -6565,87 +6599,11 @@
             </a:endParaRPr>
           </a:p>
           <a:p>
-            <a:pPr marL="0" lvl="0" indent="0" algn="ctr" rtl="0">
-              <a:spcBef>
-                <a:spcPts val="0"/>
-              </a:spcBef>
-              <a:spcAft>
-                <a:spcPts val="0"/>
-              </a:spcAft>
-              <a:buNone/>
-            </a:pPr>
             <a:r>
               <a:rPr lang="en" b="1"/>
               <a:t>함수</a:t>
             </a:r>
             <a:endParaRPr b="1"/>
-          </a:p>
-        </p:txBody>
-      </p:sp>
-      <p:sp>
-        <p:nvSpPr>
-          <p:cNvPr id="55" name="Google Shape;55;p13"/>
-          <p:cNvSpPr txBox="1">
-            <a:spLocks noGrp="1"/>
-          </p:cNvSpPr>
-          <p:nvPr>
-            <p:ph type="subTitle" idx="1"/>
-          </p:nvPr>
-        </p:nvSpPr>
-        <p:spPr>
-          <a:xfrm>
-            <a:off x="311700" y="4083633"/>
-            <a:ext cx="8520600" cy="1056900"/>
-          </a:xfrm>
-          <a:prstGeom prst="rect">
-            <a:avLst/>
-          </a:prstGeom>
-        </p:spPr>
-        <p:txBody>
-          <a:bodyPr spcFirstLastPara="1" wrap="square" lIns="91425" tIns="91425" rIns="91425" bIns="91425" anchor="t" anchorCtr="0">
-            <a:normAutofit/>
-          </a:bodyPr>
-          <a:lstStyle/>
-          <a:p>
-            <a:pPr marL="0" lvl="0" indent="0" algn="ctr" rtl="0">
-              <a:spcBef>
-                <a:spcPts val="0"/>
-              </a:spcBef>
-              <a:spcAft>
-                <a:spcPts val="0"/>
-              </a:spcAft>
-              <a:buClr>
-                <a:schemeClr val="dk1"/>
-              </a:buClr>
-              <a:buSzPts val="1100"/>
-              <a:buFont typeface="Arial"/>
-              <a:buNone/>
-            </a:pPr>
-            <a:r>
-              <a:rPr lang="en" b="1">
-                <a:solidFill>
-                  <a:srgbClr val="0000FF"/>
-                </a:solidFill>
-              </a:rPr>
-              <a:t>JD Edu</a:t>
-            </a:r>
-            <a:endParaRPr b="1">
-              <a:solidFill>
-                <a:srgbClr val="0000FF"/>
-              </a:solidFill>
-            </a:endParaRPr>
-          </a:p>
-          <a:p>
-            <a:pPr marL="0" lvl="0" indent="0" algn="ctr" rtl="0">
-              <a:spcBef>
-                <a:spcPts val="0"/>
-              </a:spcBef>
-              <a:spcAft>
-                <a:spcPts val="0"/>
-              </a:spcAft>
-              <a:buNone/>
-            </a:pPr>
-            <a:endParaRPr/>
           </a:p>
         </p:txBody>
       </p:sp>
@@ -6686,7 +6644,7 @@
         </p:nvSpPr>
         <p:spPr>
           <a:xfrm>
-            <a:off x="311700" y="593367"/>
+            <a:off x="1835700" y="593367"/>
             <a:ext cx="8520600" cy="763500"/>
           </a:xfrm>
           <a:prstGeom prst="rect">
@@ -6699,15 +6657,6 @@
           </a:bodyPr>
           <a:lstStyle/>
           <a:p>
-            <a:pPr marL="0" lvl="0" indent="0" algn="l" rtl="0">
-              <a:spcBef>
-                <a:spcPts val="0"/>
-              </a:spcBef>
-              <a:spcAft>
-                <a:spcPts val="0"/>
-              </a:spcAft>
-              <a:buNone/>
-            </a:pPr>
             <a:r>
               <a:rPr lang="en" b="1"/>
               <a:t>함수 퀴즈 </a:t>
@@ -6728,7 +6677,7 @@
         </p:nvSpPr>
         <p:spPr>
           <a:xfrm>
-            <a:off x="311700" y="1536633"/>
+            <a:off x="1835700" y="1536633"/>
             <a:ext cx="8520600" cy="4555200"/>
           </a:xfrm>
           <a:prstGeom prst="rect">
@@ -6741,16 +6690,6 @@
           </a:bodyPr>
           <a:lstStyle/>
           <a:p>
-            <a:pPr marL="457200" lvl="0" indent="-342900" algn="l" rtl="0">
-              <a:spcBef>
-                <a:spcPts val="0"/>
-              </a:spcBef>
-              <a:spcAft>
-                <a:spcPts val="0"/>
-              </a:spcAft>
-              <a:buSzPts val="1800"/>
-              <a:buChar char="●"/>
-            </a:pPr>
             <a:r>
               <a:rPr lang="en"/>
               <a:t>다음과 같은 함수를 정의하고, 불러서 사용해 보세요.</a:t>
@@ -6758,16 +6697,7 @@
             <a:endParaRPr/>
           </a:p>
           <a:p>
-            <a:pPr marL="914400" lvl="1" indent="-317500" algn="l" rtl="0">
-              <a:spcBef>
-                <a:spcPts val="0"/>
-              </a:spcBef>
-              <a:spcAft>
-                <a:spcPts val="0"/>
-              </a:spcAft>
-              <a:buSzPts val="1400"/>
-              <a:buChar char="○"/>
-            </a:pPr>
+            <a:pPr lvl="1"/>
             <a:r>
               <a:rPr lang="en"/>
               <a:t>함수이름: sqt()</a:t>
@@ -6775,16 +6705,7 @@
             <a:endParaRPr/>
           </a:p>
           <a:p>
-            <a:pPr marL="914400" lvl="1" indent="-317500" algn="l" rtl="0">
-              <a:spcBef>
-                <a:spcPts val="0"/>
-              </a:spcBef>
-              <a:spcAft>
-                <a:spcPts val="0"/>
-              </a:spcAft>
-              <a:buSzPts val="1400"/>
-              <a:buChar char="○"/>
-            </a:pPr>
+            <a:pPr lvl="1"/>
             <a:r>
               <a:rPr lang="en"/>
               <a:t>입력값: 숫자 한개 </a:t>
@@ -6792,16 +6713,7 @@
             <a:endParaRPr/>
           </a:p>
           <a:p>
-            <a:pPr marL="914400" lvl="1" indent="-317500" algn="l" rtl="0">
-              <a:spcBef>
-                <a:spcPts val="0"/>
-              </a:spcBef>
-              <a:spcAft>
-                <a:spcPts val="0"/>
-              </a:spcAft>
-              <a:buSzPts val="1400"/>
-              <a:buChar char="○"/>
-            </a:pPr>
+            <a:pPr lvl="1"/>
             <a:r>
               <a:rPr lang="en"/>
               <a:t>역할: 입력받은 숫자를 제곱한 후, 결과값을 리턴 </a:t>
@@ -6809,16 +6721,7 @@
             <a:endParaRPr/>
           </a:p>
           <a:p>
-            <a:pPr marL="914400" lvl="1" indent="-317500" algn="l" rtl="0">
-              <a:spcBef>
-                <a:spcPts val="0"/>
-              </a:spcBef>
-              <a:spcAft>
-                <a:spcPts val="0"/>
-              </a:spcAft>
-              <a:buSzPts val="1400"/>
-              <a:buChar char="○"/>
-            </a:pPr>
+            <a:pPr lvl="1"/>
             <a:r>
               <a:rPr lang="en"/>
               <a:t>3을 sqt()에 입력한후 결과값을 프린트 해보세요. </a:t>
@@ -6826,27 +6729,19 @@
             <a:endParaRPr/>
           </a:p>
           <a:p>
-            <a:pPr marL="914400" lvl="0" indent="0" algn="l" rtl="0">
+            <a:pPr marL="914400" indent="0">
               <a:spcBef>
                 <a:spcPts val="1200"/>
               </a:spcBef>
-              <a:spcAft>
-                <a:spcPts val="0"/>
-              </a:spcAft>
               <a:buNone/>
             </a:pPr>
             <a:endParaRPr/>
           </a:p>
           <a:p>
-            <a:pPr marL="457200" lvl="0" indent="-342900" algn="l" rtl="0">
+            <a:pPr>
               <a:spcBef>
                 <a:spcPts val="1200"/>
               </a:spcBef>
-              <a:spcAft>
-                <a:spcPts val="0"/>
-              </a:spcAft>
-              <a:buSzPts val="1800"/>
-              <a:buChar char="●"/>
             </a:pPr>
             <a:r>
               <a:rPr lang="en"/>
@@ -6855,16 +6750,7 @@
             <a:endParaRPr/>
           </a:p>
           <a:p>
-            <a:pPr marL="914400" lvl="1" indent="-317500" algn="l" rtl="0">
-              <a:spcBef>
-                <a:spcPts val="0"/>
-              </a:spcBef>
-              <a:spcAft>
-                <a:spcPts val="0"/>
-              </a:spcAft>
-              <a:buSzPts val="1400"/>
-              <a:buChar char="○"/>
-            </a:pPr>
+            <a:pPr lvl="1"/>
             <a:r>
               <a:rPr lang="en"/>
               <a:t>함수이름: circle_area()</a:t>
@@ -6872,16 +6758,7 @@
             <a:endParaRPr/>
           </a:p>
           <a:p>
-            <a:pPr marL="914400" lvl="1" indent="-317500" algn="l" rtl="0">
-              <a:spcBef>
-                <a:spcPts val="0"/>
-              </a:spcBef>
-              <a:spcAft>
-                <a:spcPts val="0"/>
-              </a:spcAft>
-              <a:buSzPts val="1400"/>
-              <a:buChar char="○"/>
-            </a:pPr>
+            <a:pPr lvl="1"/>
             <a:r>
               <a:rPr lang="en"/>
               <a:t>입력값: 숫자한개 (원 반지름)</a:t>
@@ -6889,16 +6766,7 @@
             <a:endParaRPr/>
           </a:p>
           <a:p>
-            <a:pPr marL="914400" lvl="1" indent="-317500" algn="l" rtl="0">
-              <a:spcBef>
-                <a:spcPts val="0"/>
-              </a:spcBef>
-              <a:spcAft>
-                <a:spcPts val="0"/>
-              </a:spcAft>
-              <a:buSzPts val="1400"/>
-              <a:buChar char="○"/>
-            </a:pPr>
+            <a:pPr lvl="1"/>
             <a:r>
               <a:rPr lang="en"/>
               <a:t>역할: 입력받은 원 반지름으로 원면적을 구한 후, 결과값을 리턴 (원면적 = 3.14 x 반지름 x 반지름)</a:t>
@@ -6906,16 +6774,7 @@
             <a:endParaRPr/>
           </a:p>
           <a:p>
-            <a:pPr marL="914400" lvl="1" indent="-317500" algn="l" rtl="0">
-              <a:spcBef>
-                <a:spcPts val="0"/>
-              </a:spcBef>
-              <a:spcAft>
-                <a:spcPts val="0"/>
-              </a:spcAft>
-              <a:buSzPts val="1400"/>
-              <a:buChar char="○"/>
-            </a:pPr>
+            <a:pPr lvl="1"/>
             <a:r>
               <a:rPr lang="en"/>
               <a:t>circle_area() 함수를 이용해서 반지름 5인 원의 면적을 구하고 프린트 하는 코드를 만들어 보세요. </a:t>
@@ -6961,7 +6820,7 @@
         </p:nvSpPr>
         <p:spPr>
           <a:xfrm>
-            <a:off x="311700" y="593367"/>
+            <a:off x="1835700" y="593367"/>
             <a:ext cx="8520600" cy="763500"/>
           </a:xfrm>
           <a:prstGeom prst="rect">
@@ -6974,15 +6833,6 @@
           </a:bodyPr>
           <a:lstStyle/>
           <a:p>
-            <a:pPr marL="0" lvl="0" indent="0" algn="l" rtl="0">
-              <a:spcBef>
-                <a:spcPts val="0"/>
-              </a:spcBef>
-              <a:spcAft>
-                <a:spcPts val="0"/>
-              </a:spcAft>
-              <a:buNone/>
-            </a:pPr>
             <a:r>
               <a:rPr lang="en" b="1"/>
               <a:t>함수란 무엇인가? </a:t>
@@ -7003,7 +6853,7 @@
         </p:nvSpPr>
         <p:spPr>
           <a:xfrm>
-            <a:off x="311700" y="1781175"/>
+            <a:off x="1835700" y="1781175"/>
             <a:ext cx="8520600" cy="4914900"/>
           </a:xfrm>
           <a:prstGeom prst="rect">
@@ -7016,16 +6866,6 @@
           </a:bodyPr>
           <a:lstStyle/>
           <a:p>
-            <a:pPr marL="457200" lvl="0" indent="-342900" algn="l" rtl="0">
-              <a:spcBef>
-                <a:spcPts val="0"/>
-              </a:spcBef>
-              <a:spcAft>
-                <a:spcPts val="0"/>
-              </a:spcAft>
-              <a:buSzPts val="1800"/>
-              <a:buChar char="●"/>
-            </a:pPr>
             <a:r>
               <a:rPr lang="en" dirty="0"/>
               <a:t>우리는 이미 함수를 사용했었습니다. </a:t>
@@ -7033,13 +6873,10 @@
             <a:endParaRPr dirty="0"/>
           </a:p>
           <a:p>
-            <a:pPr marL="0" lvl="0" indent="0" algn="l" rtl="0">
+            <a:pPr marL="0" indent="0">
               <a:spcBef>
                 <a:spcPts val="1200"/>
               </a:spcBef>
-              <a:spcAft>
-                <a:spcPts val="0"/>
-              </a:spcAft>
               <a:buNone/>
             </a:pPr>
             <a:r>
@@ -7061,13 +6898,10 @@
             </a:endParaRPr>
           </a:p>
           <a:p>
-            <a:pPr marL="0" lvl="0" indent="0" algn="l" rtl="0">
+            <a:pPr marL="0" indent="0">
               <a:spcBef>
                 <a:spcPts val="1200"/>
               </a:spcBef>
-              <a:spcAft>
-                <a:spcPts val="0"/>
-              </a:spcAft>
               <a:buNone/>
             </a:pPr>
             <a:r>
@@ -7085,13 +6919,10 @@
             </a:endParaRPr>
           </a:p>
           <a:p>
-            <a:pPr marL="0" lvl="0" indent="0" algn="l" rtl="0">
+            <a:pPr marL="0" indent="0">
               <a:spcBef>
                 <a:spcPts val="1200"/>
               </a:spcBef>
-              <a:spcAft>
-                <a:spcPts val="0"/>
-              </a:spcAft>
               <a:buNone/>
             </a:pPr>
             <a:r>
@@ -7109,13 +6940,10 @@
             </a:endParaRPr>
           </a:p>
           <a:p>
-            <a:pPr marL="0" lvl="0" indent="0" algn="l" rtl="0">
+            <a:pPr marL="0" indent="0">
               <a:spcBef>
                 <a:spcPts val="1200"/>
               </a:spcBef>
-              <a:spcAft>
-                <a:spcPts val="0"/>
-              </a:spcAft>
               <a:buNone/>
             </a:pPr>
             <a:r>
@@ -7133,15 +6961,10 @@
             </a:endParaRPr>
           </a:p>
           <a:p>
-            <a:pPr marL="457200" lvl="0" indent="-342900" algn="l" rtl="0">
+            <a:pPr>
               <a:spcBef>
                 <a:spcPts val="1200"/>
               </a:spcBef>
-              <a:spcAft>
-                <a:spcPts val="0"/>
-              </a:spcAft>
-              <a:buSzPts val="1800"/>
-              <a:buChar char="●"/>
             </a:pPr>
             <a:r>
               <a:rPr lang="en" dirty="0"/>
@@ -7150,16 +6973,6 @@
             <a:endParaRPr dirty="0"/>
           </a:p>
           <a:p>
-            <a:pPr marL="457200" lvl="0" indent="-342900" algn="l" rtl="0">
-              <a:spcBef>
-                <a:spcPts val="0"/>
-              </a:spcBef>
-              <a:spcAft>
-                <a:spcPts val="0"/>
-              </a:spcAft>
-              <a:buSzPts val="1800"/>
-              <a:buChar char="●"/>
-            </a:pPr>
             <a:r>
               <a:rPr lang="en" dirty="0"/>
               <a:t>여러개의 파이썬 코드를 하나로 묶은 것을 “함수”라고 합니다.  </a:t>
@@ -7167,16 +6980,6 @@
             <a:endParaRPr dirty="0"/>
           </a:p>
           <a:p>
-            <a:pPr marL="457200" lvl="0" indent="-342900" algn="l" rtl="0">
-              <a:spcBef>
-                <a:spcPts val="0"/>
-              </a:spcBef>
-              <a:spcAft>
-                <a:spcPts val="0"/>
-              </a:spcAft>
-              <a:buSzPts val="1800"/>
-              <a:buChar char="●"/>
-            </a:pPr>
             <a:r>
               <a:rPr lang="en" dirty="0"/>
               <a:t>함수는 미리 만들어진 것도 있고, 사용자가 직접 만들어 사용할 수도 있습니다.</a:t>
@@ -7184,16 +6987,6 @@
             <a:endParaRPr dirty="0"/>
           </a:p>
           <a:p>
-            <a:pPr marL="457200" lvl="0" indent="-342900" algn="l" rtl="0">
-              <a:spcBef>
-                <a:spcPts val="0"/>
-              </a:spcBef>
-              <a:spcAft>
-                <a:spcPts val="0"/>
-              </a:spcAft>
-              <a:buSzPts val="1800"/>
-              <a:buChar char="●"/>
-            </a:pPr>
             <a:r>
               <a:rPr lang="en" dirty="0"/>
               <a:t>함수를 사용하는 이유는 다음과 같습니다. </a:t>
@@ -7201,18 +6994,10 @@
             <a:endParaRPr dirty="0"/>
           </a:p>
           <a:p>
-            <a:pPr marL="914400" lvl="1" indent="-317500" algn="l" rtl="0">
-              <a:spcBef>
-                <a:spcPts val="0"/>
-              </a:spcBef>
-              <a:spcAft>
-                <a:spcPts val="0"/>
-              </a:spcAft>
+            <a:pPr lvl="1">
               <a:buClr>
                 <a:srgbClr val="0000FF"/>
               </a:buClr>
-              <a:buSzPts val="1400"/>
-              <a:buChar char="○"/>
             </a:pPr>
             <a:r>
               <a:rPr lang="en" b="1" dirty="0">
@@ -7229,18 +7014,10 @@
             </a:endParaRPr>
           </a:p>
           <a:p>
-            <a:pPr marL="914400" lvl="1" indent="-317500" algn="l" rtl="0">
-              <a:spcBef>
-                <a:spcPts val="0"/>
-              </a:spcBef>
-              <a:spcAft>
-                <a:spcPts val="0"/>
-              </a:spcAft>
+            <a:pPr lvl="1">
               <a:buClr>
                 <a:srgbClr val="0000FF"/>
               </a:buClr>
-              <a:buSzPts val="1400"/>
-              <a:buChar char="○"/>
             </a:pPr>
             <a:r>
               <a:rPr lang="en" b="1" dirty="0">
@@ -7274,7 +7051,7 @@
         </p:blipFill>
         <p:spPr>
           <a:xfrm>
-            <a:off x="5081600" y="252425"/>
+            <a:off x="6605600" y="590628"/>
             <a:ext cx="3605200" cy="2748025"/>
           </a:xfrm>
           <a:prstGeom prst="rect">
@@ -7294,7 +7071,7 @@
         </p:nvSpPr>
         <p:spPr>
           <a:xfrm>
-            <a:off x="5050600" y="3143250"/>
+            <a:off x="6574600" y="3481452"/>
             <a:ext cx="3667200" cy="400200"/>
           </a:xfrm>
           <a:prstGeom prst="rect">
@@ -7311,15 +7088,6 @@
           </a:bodyPr>
           <a:lstStyle/>
           <a:p>
-            <a:pPr marL="0" lvl="0" indent="0" algn="l" rtl="0">
-              <a:spcBef>
-                <a:spcPts val="0"/>
-              </a:spcBef>
-              <a:spcAft>
-                <a:spcPts val="0"/>
-              </a:spcAft>
-              <a:buNone/>
-            </a:pPr>
             <a:r>
               <a:rPr lang="en" b="1">
                 <a:solidFill>
@@ -7373,7 +7141,7 @@
         </p:nvSpPr>
         <p:spPr>
           <a:xfrm>
-            <a:off x="311700" y="593367"/>
+            <a:off x="1835700" y="593367"/>
             <a:ext cx="8520600" cy="763500"/>
           </a:xfrm>
           <a:prstGeom prst="rect">
@@ -7386,15 +7154,6 @@
           </a:bodyPr>
           <a:lstStyle/>
           <a:p>
-            <a:pPr marL="0" lvl="0" indent="0" algn="l" rtl="0">
-              <a:spcBef>
-                <a:spcPts val="0"/>
-              </a:spcBef>
-              <a:spcAft>
-                <a:spcPts val="0"/>
-              </a:spcAft>
-              <a:buNone/>
-            </a:pPr>
             <a:r>
               <a:rPr lang="en" b="1"/>
               <a:t>함수를 만들어보기 </a:t>
@@ -7415,7 +7174,7 @@
         </p:nvSpPr>
         <p:spPr>
           <a:xfrm>
-            <a:off x="311700" y="1536618"/>
+            <a:off x="1835700" y="1536618"/>
             <a:ext cx="8520600" cy="4835700"/>
           </a:xfrm>
           <a:prstGeom prst="rect">
@@ -7428,16 +7187,6 @@
           </a:bodyPr>
           <a:lstStyle/>
           <a:p>
-            <a:pPr marL="457200" lvl="0" indent="-342900" algn="l" rtl="0">
-              <a:spcBef>
-                <a:spcPts val="0"/>
-              </a:spcBef>
-              <a:spcAft>
-                <a:spcPts val="0"/>
-              </a:spcAft>
-              <a:buSzPts val="1800"/>
-              <a:buChar char="●"/>
-            </a:pPr>
             <a:r>
               <a:rPr lang="en" dirty="0"/>
               <a:t>함수는 다음과 같은 형태로 만들 수 있습니다. </a:t>
@@ -7445,99 +7194,73 @@
             <a:endParaRPr dirty="0"/>
           </a:p>
           <a:p>
-            <a:pPr marL="457200" lvl="0" indent="0" algn="l" rtl="0">
+            <a:pPr indent="0">
               <a:spcBef>
                 <a:spcPts val="1200"/>
               </a:spcBef>
-              <a:spcAft>
-                <a:spcPts val="0"/>
-              </a:spcAft>
               <a:buNone/>
             </a:pPr>
             <a:endParaRPr dirty="0"/>
           </a:p>
           <a:p>
-            <a:pPr marL="457200" lvl="0" indent="0" algn="l" rtl="0">
+            <a:pPr indent="0">
               <a:spcBef>
                 <a:spcPts val="1200"/>
               </a:spcBef>
-              <a:spcAft>
-                <a:spcPts val="0"/>
-              </a:spcAft>
               <a:buNone/>
             </a:pPr>
             <a:endParaRPr dirty="0"/>
           </a:p>
           <a:p>
-            <a:pPr marL="0" lvl="0" indent="0" algn="l" rtl="0">
+            <a:pPr marL="0" indent="0">
               <a:spcBef>
                 <a:spcPts val="1200"/>
               </a:spcBef>
-              <a:spcAft>
-                <a:spcPts val="0"/>
-              </a:spcAft>
               <a:buNone/>
             </a:pPr>
             <a:endParaRPr dirty="0"/>
           </a:p>
           <a:p>
-            <a:pPr marL="457200" lvl="0" indent="0" algn="l" rtl="0">
+            <a:pPr indent="0">
               <a:spcBef>
                 <a:spcPts val="1200"/>
               </a:spcBef>
-              <a:spcAft>
-                <a:spcPts val="0"/>
-              </a:spcAft>
               <a:buNone/>
             </a:pPr>
             <a:endParaRPr dirty="0"/>
           </a:p>
           <a:p>
-            <a:pPr marL="457200" lvl="0" indent="0" algn="l" rtl="0">
+            <a:pPr indent="0">
               <a:spcBef>
                 <a:spcPts val="1200"/>
               </a:spcBef>
-              <a:spcAft>
-                <a:spcPts val="0"/>
-              </a:spcAft>
               <a:buNone/>
             </a:pPr>
             <a:endParaRPr dirty="0"/>
           </a:p>
           <a:p>
-            <a:pPr marL="457200" lvl="0" indent="0" algn="l" rtl="0">
+            <a:pPr indent="0">
               <a:spcBef>
                 <a:spcPts val="1200"/>
               </a:spcBef>
-              <a:spcAft>
-                <a:spcPts val="0"/>
-              </a:spcAft>
               <a:buNone/>
             </a:pPr>
             <a:endParaRPr dirty="0"/>
           </a:p>
           <a:p>
-            <a:pPr marL="457200" lvl="0" indent="0" algn="l" rtl="0">
+            <a:pPr indent="0">
               <a:spcBef>
                 <a:spcPts val="1200"/>
               </a:spcBef>
-              <a:spcAft>
-                <a:spcPts val="0"/>
-              </a:spcAft>
               <a:buNone/>
             </a:pPr>
             <a:endParaRPr dirty="0"/>
           </a:p>
           <a:p>
-            <a:pPr marL="457200" lvl="0" indent="-342900" algn="l" rtl="0">
+            <a:pPr>
               <a:spcBef>
                 <a:spcPts val="1200"/>
               </a:spcBef>
-              <a:spcAft>
-                <a:spcPts val="0"/>
-              </a:spcAft>
-              <a:buSzPts val="1800"/>
-              <a:buChar char="●"/>
             </a:pPr>
             <a:r>
               <a:rPr lang="en" dirty="0"/>
@@ -7563,7 +7286,7 @@
         </p:blipFill>
         <p:spPr>
           <a:xfrm>
-            <a:off x="819150" y="2095519"/>
+            <a:off x="2343150" y="2095519"/>
             <a:ext cx="6896100" cy="704850"/>
           </a:xfrm>
           <a:prstGeom prst="rect">
@@ -7583,7 +7306,7 @@
         </p:nvSpPr>
         <p:spPr>
           <a:xfrm>
-            <a:off x="3257550" y="2971800"/>
+            <a:off x="4781550" y="2971800"/>
             <a:ext cx="3438600" cy="923400"/>
           </a:xfrm>
           <a:prstGeom prst="rect">
@@ -7600,15 +7323,6 @@
           </a:bodyPr>
           <a:lstStyle/>
           <a:p>
-            <a:pPr marL="0" lvl="0" indent="0" algn="l" rtl="0">
-              <a:spcBef>
-                <a:spcPts val="0"/>
-              </a:spcBef>
-              <a:spcAft>
-                <a:spcPts val="0"/>
-              </a:spcAft>
-              <a:buNone/>
-            </a:pPr>
             <a:r>
               <a:rPr lang="en" sz="2400"/>
               <a:t>def  함수이름(  ): </a:t>
@@ -7616,15 +7330,6 @@
             <a:endParaRPr sz="2400"/>
           </a:p>
           <a:p>
-            <a:pPr marL="0" lvl="0" indent="0" algn="l" rtl="0">
-              <a:spcBef>
-                <a:spcPts val="0"/>
-              </a:spcBef>
-              <a:spcAft>
-                <a:spcPts val="0"/>
-              </a:spcAft>
-              <a:buNone/>
-            </a:pPr>
             <a:r>
               <a:rPr lang="en" sz="2400"/>
               <a:t>	Pass </a:t>
@@ -7641,7 +7346,7 @@
         </p:nvCxnSpPr>
         <p:spPr>
           <a:xfrm rot="10800000">
-            <a:off x="5400600" y="3419475"/>
+            <a:off x="6924600" y="3419475"/>
             <a:ext cx="314400" cy="571500"/>
           </a:xfrm>
           <a:prstGeom prst="straightConnector1">
@@ -7667,7 +7372,7 @@
         </p:nvSpPr>
         <p:spPr>
           <a:xfrm>
-            <a:off x="5048250" y="3933825"/>
+            <a:off x="6572250" y="3933825"/>
             <a:ext cx="1695600" cy="400200"/>
           </a:xfrm>
           <a:prstGeom prst="rect">
@@ -7684,15 +7389,6 @@
           </a:bodyPr>
           <a:lstStyle/>
           <a:p>
-            <a:pPr marL="0" lvl="0" indent="0" algn="l" rtl="0">
-              <a:spcBef>
-                <a:spcPts val="0"/>
-              </a:spcBef>
-              <a:spcAft>
-                <a:spcPts val="0"/>
-              </a:spcAft>
-              <a:buNone/>
-            </a:pPr>
             <a:r>
               <a:rPr lang="en"/>
               <a:t>입력값, 매개변수</a:t>
@@ -7709,7 +7405,7 @@
         </p:nvSpPr>
         <p:spPr>
           <a:xfrm>
-            <a:off x="1752600" y="3048000"/>
+            <a:off x="3276600" y="3048000"/>
             <a:ext cx="1057200" cy="400200"/>
           </a:xfrm>
           <a:prstGeom prst="rect">
@@ -7726,15 +7422,6 @@
           </a:bodyPr>
           <a:lstStyle/>
           <a:p>
-            <a:pPr marL="0" lvl="0" indent="0" algn="l" rtl="0">
-              <a:spcBef>
-                <a:spcPts val="0"/>
-              </a:spcBef>
-              <a:spcAft>
-                <a:spcPts val="0"/>
-              </a:spcAft>
-              <a:buNone/>
-            </a:pPr>
             <a:r>
               <a:rPr lang="en"/>
               <a:t>def 키워드</a:t>
@@ -7753,7 +7440,7 @@
         </p:nvCxnSpPr>
         <p:spPr>
           <a:xfrm>
-            <a:off x="2809800" y="3248100"/>
+            <a:off x="4333800" y="3248100"/>
             <a:ext cx="419100" cy="0"/>
           </a:xfrm>
           <a:prstGeom prst="straightConnector1">
@@ -7779,7 +7466,7 @@
         </p:nvCxnSpPr>
         <p:spPr>
           <a:xfrm>
-            <a:off x="3371850" y="3619500"/>
+            <a:off x="4895850" y="3619500"/>
             <a:ext cx="457200" cy="0"/>
           </a:xfrm>
           <a:prstGeom prst="straightConnector1">
@@ -7805,7 +7492,7 @@
         </p:nvCxnSpPr>
         <p:spPr>
           <a:xfrm rot="10800000" flipH="1">
-            <a:off x="3390900" y="3714675"/>
+            <a:off x="4914900" y="3714675"/>
             <a:ext cx="171600" cy="238200"/>
           </a:xfrm>
           <a:prstGeom prst="straightConnector1">
@@ -7831,7 +7518,7 @@
         </p:nvSpPr>
         <p:spPr>
           <a:xfrm>
-            <a:off x="2900400" y="3928414"/>
+            <a:off x="4424400" y="3928414"/>
             <a:ext cx="1057200" cy="400200"/>
           </a:xfrm>
           <a:prstGeom prst="rect">
@@ -7848,15 +7535,6 @@
           </a:bodyPr>
           <a:lstStyle/>
           <a:p>
-            <a:pPr marL="0" lvl="0" indent="0" algn="l" rtl="0">
-              <a:spcBef>
-                <a:spcPts val="0"/>
-              </a:spcBef>
-              <a:spcAft>
-                <a:spcPts val="0"/>
-              </a:spcAft>
-              <a:buNone/>
-            </a:pPr>
             <a:r>
               <a:rPr lang="en" dirty="0"/>
               <a:t>들여쓰기</a:t>
@@ -7873,7 +7551,7 @@
         </p:nvCxnSpPr>
         <p:spPr>
           <a:xfrm rot="10800000">
-            <a:off x="4238550" y="3829050"/>
+            <a:off x="5762550" y="3829050"/>
             <a:ext cx="352500" cy="762000"/>
           </a:xfrm>
           <a:prstGeom prst="straightConnector1">
@@ -7899,7 +7577,7 @@
         </p:nvSpPr>
         <p:spPr>
           <a:xfrm>
-            <a:off x="4267200" y="4619625"/>
+            <a:off x="5791200" y="4619625"/>
             <a:ext cx="3438600" cy="615600"/>
           </a:xfrm>
           <a:prstGeom prst="rect">
@@ -7916,15 +7594,6 @@
           </a:bodyPr>
           <a:lstStyle/>
           <a:p>
-            <a:pPr marL="0" lvl="0" indent="0" algn="l" rtl="0">
-              <a:spcBef>
-                <a:spcPts val="0"/>
-              </a:spcBef>
-              <a:spcAft>
-                <a:spcPts val="0"/>
-              </a:spcAft>
-              <a:buNone/>
-            </a:pPr>
             <a:r>
               <a:rPr lang="en"/>
               <a:t>파이썬 코드, 파이썬 코드는</a:t>
@@ -7932,15 +7601,6 @@
             <a:endParaRPr/>
           </a:p>
           <a:p>
-            <a:pPr marL="0" lvl="0" indent="0" algn="l" rtl="0">
-              <a:spcBef>
-                <a:spcPts val="0"/>
-              </a:spcBef>
-              <a:spcAft>
-                <a:spcPts val="0"/>
-              </a:spcAft>
-              <a:buNone/>
-            </a:pPr>
             <a:r>
               <a:rPr lang="en"/>
               <a:t>여러개가 있어도 됩니다.  </a:t>
@@ -7965,7 +7625,7 @@
         </p:blipFill>
         <p:spPr>
           <a:xfrm>
-            <a:off x="781050" y="5744238"/>
+            <a:off x="2305050" y="5744239"/>
             <a:ext cx="6972300" cy="619125"/>
           </a:xfrm>
           <a:prstGeom prst="rect">
@@ -7985,7 +7645,7 @@
         </p:nvCxnSpPr>
         <p:spPr>
           <a:xfrm rot="10800000">
-            <a:off x="5695875" y="3314925"/>
+            <a:off x="7219875" y="3314925"/>
             <a:ext cx="581100" cy="237900"/>
           </a:xfrm>
           <a:prstGeom prst="straightConnector1">
@@ -8011,7 +7671,7 @@
         </p:nvSpPr>
         <p:spPr>
           <a:xfrm>
-            <a:off x="6276975" y="3314925"/>
+            <a:off x="7800975" y="3314925"/>
             <a:ext cx="1695600" cy="400200"/>
           </a:xfrm>
           <a:prstGeom prst="rect">
@@ -8028,15 +7688,6 @@
           </a:bodyPr>
           <a:lstStyle/>
           <a:p>
-            <a:pPr marL="0" lvl="0" indent="0" algn="l" rtl="0">
-              <a:spcBef>
-                <a:spcPts val="0"/>
-              </a:spcBef>
-              <a:spcAft>
-                <a:spcPts val="0"/>
-              </a:spcAft>
-              <a:buNone/>
-            </a:pPr>
             <a:r>
               <a:rPr lang="en"/>
               <a:t>콜론으로 마무리</a:t>
@@ -8082,7 +7733,7 @@
         </p:nvSpPr>
         <p:spPr>
           <a:xfrm>
-            <a:off x="311700" y="593367"/>
+            <a:off x="1835700" y="593367"/>
             <a:ext cx="8520600" cy="763500"/>
           </a:xfrm>
           <a:prstGeom prst="rect">
@@ -8095,15 +7746,6 @@
           </a:bodyPr>
           <a:lstStyle/>
           <a:p>
-            <a:pPr marL="0" lvl="0" indent="0" algn="l" rtl="0">
-              <a:spcBef>
-                <a:spcPts val="0"/>
-              </a:spcBef>
-              <a:spcAft>
-                <a:spcPts val="0"/>
-              </a:spcAft>
-              <a:buNone/>
-            </a:pPr>
             <a:r>
               <a:rPr lang="en" b="1"/>
               <a:t>입력값(매개변수)가 있는 함수 만들기 </a:t>
@@ -8124,7 +7766,7 @@
         </p:nvSpPr>
         <p:spPr>
           <a:xfrm>
-            <a:off x="311700" y="1536633"/>
+            <a:off x="1835700" y="1536633"/>
             <a:ext cx="8520600" cy="4555200"/>
           </a:xfrm>
           <a:prstGeom prst="rect">
@@ -8137,16 +7779,6 @@
           </a:bodyPr>
           <a:lstStyle/>
           <a:p>
-            <a:pPr marL="457200" lvl="0" indent="-342900" algn="l" rtl="0">
-              <a:spcBef>
-                <a:spcPts val="0"/>
-              </a:spcBef>
-              <a:spcAft>
-                <a:spcPts val="0"/>
-              </a:spcAft>
-              <a:buSzPts val="1800"/>
-              <a:buChar char="●"/>
-            </a:pPr>
             <a:r>
               <a:rPr lang="en" dirty="0"/>
               <a:t>이번에는 입력값(매개변수)가 있는 다음과 같은 함수를 만들어 봅시다. </a:t>
@@ -8154,16 +7786,7 @@
             <a:endParaRPr dirty="0"/>
           </a:p>
           <a:p>
-            <a:pPr marL="914400" lvl="1" indent="-317500" algn="l" rtl="0">
-              <a:spcBef>
-                <a:spcPts val="0"/>
-              </a:spcBef>
-              <a:spcAft>
-                <a:spcPts val="0"/>
-              </a:spcAft>
-              <a:buSzPts val="1400"/>
-              <a:buChar char="○"/>
-            </a:pPr>
+            <a:pPr lvl="1"/>
             <a:r>
               <a:rPr lang="en" dirty="0"/>
               <a:t>함수 이름은 add_num</a:t>
@@ -8171,16 +7794,7 @@
             <a:endParaRPr dirty="0"/>
           </a:p>
           <a:p>
-            <a:pPr marL="914400" lvl="1" indent="-317500" algn="l" rtl="0">
-              <a:spcBef>
-                <a:spcPts val="0"/>
-              </a:spcBef>
-              <a:spcAft>
-                <a:spcPts val="0"/>
-              </a:spcAft>
-              <a:buSzPts val="1400"/>
-              <a:buChar char="○"/>
-            </a:pPr>
+            <a:pPr lvl="1"/>
             <a:r>
               <a:rPr lang="en" dirty="0"/>
               <a:t>입력값(매개변수): 2개 </a:t>
@@ -8188,16 +7802,7 @@
             <a:endParaRPr dirty="0"/>
           </a:p>
           <a:p>
-            <a:pPr marL="914400" lvl="1" indent="-317500" algn="l" rtl="0">
-              <a:spcBef>
-                <a:spcPts val="0"/>
-              </a:spcBef>
-              <a:spcAft>
-                <a:spcPts val="0"/>
-              </a:spcAft>
-              <a:buSzPts val="1400"/>
-              <a:buChar char="○"/>
-            </a:pPr>
+            <a:pPr lvl="1"/>
             <a:r>
               <a:rPr lang="en" dirty="0"/>
               <a:t>2개의 입력값을 더하고 프린트 한다.</a:t>
@@ -8205,51 +7810,37 @@
             <a:endParaRPr dirty="0"/>
           </a:p>
           <a:p>
-            <a:pPr marL="914400" lvl="0" indent="0" algn="l" rtl="0">
+            <a:pPr marL="914400" indent="0">
               <a:spcBef>
                 <a:spcPts val="1200"/>
               </a:spcBef>
-              <a:spcAft>
-                <a:spcPts val="0"/>
-              </a:spcAft>
               <a:buNone/>
             </a:pPr>
             <a:endParaRPr dirty="0"/>
           </a:p>
           <a:p>
-            <a:pPr marL="914400" lvl="0" indent="0" algn="l" rtl="0">
+            <a:pPr marL="914400" indent="0">
               <a:spcBef>
                 <a:spcPts val="1200"/>
               </a:spcBef>
-              <a:spcAft>
-                <a:spcPts val="0"/>
-              </a:spcAft>
               <a:buNone/>
             </a:pPr>
             <a:endParaRPr dirty="0"/>
           </a:p>
           <a:p>
-            <a:pPr marL="914400" lvl="0" indent="0" algn="l" rtl="0">
+            <a:pPr marL="914400" indent="0">
               <a:spcBef>
                 <a:spcPts val="1200"/>
               </a:spcBef>
-              <a:spcAft>
-                <a:spcPts val="0"/>
-              </a:spcAft>
               <a:buNone/>
             </a:pPr>
             <a:endParaRPr dirty="0"/>
           </a:p>
           <a:p>
-            <a:pPr marL="457200" lvl="0" indent="-342900" algn="l" rtl="0">
+            <a:pPr>
               <a:spcBef>
                 <a:spcPts val="1200"/>
               </a:spcBef>
-              <a:spcAft>
-                <a:spcPts val="0"/>
-              </a:spcAft>
-              <a:buSzPts val="1800"/>
-              <a:buChar char="●"/>
             </a:pPr>
             <a:r>
               <a:rPr lang="en" dirty="0"/>
@@ -8258,16 +7849,6 @@
             <a:endParaRPr dirty="0"/>
           </a:p>
           <a:p>
-            <a:pPr marL="457200" lvl="0" indent="-342900" algn="l" rtl="0">
-              <a:spcBef>
-                <a:spcPts val="0"/>
-              </a:spcBef>
-              <a:spcAft>
-                <a:spcPts val="0"/>
-              </a:spcAft>
-              <a:buSzPts val="1800"/>
-              <a:buChar char="●"/>
-            </a:pPr>
             <a:r>
               <a:rPr lang="en" dirty="0"/>
               <a:t>매개변수의 숫자는 여러개가 될 수 있습니다. </a:t>
@@ -8275,16 +7856,6 @@
             <a:endParaRPr dirty="0"/>
           </a:p>
           <a:p>
-            <a:pPr marL="457200" lvl="0" indent="-342900" algn="l" rtl="0">
-              <a:spcBef>
-                <a:spcPts val="0"/>
-              </a:spcBef>
-              <a:spcAft>
-                <a:spcPts val="0"/>
-              </a:spcAft>
-              <a:buSzPts val="1800"/>
-              <a:buChar char="●"/>
-            </a:pPr>
             <a:r>
               <a:rPr lang="en" dirty="0"/>
               <a:t>두개이상의 매개변수를 사용할 경우 “,”로 구분합니다. </a:t>
@@ -8292,30 +7863,13 @@
             <a:endParaRPr dirty="0"/>
           </a:p>
           <a:p>
-            <a:pPr marL="457200" lvl="0" indent="-342900" algn="l" rtl="0">
-              <a:spcBef>
-                <a:spcPts val="0"/>
-              </a:spcBef>
-              <a:spcAft>
-                <a:spcPts val="0"/>
-              </a:spcAft>
-              <a:buSzPts val="1800"/>
-              <a:buChar char="●"/>
-            </a:pPr>
             <a:r>
               <a:rPr lang="en" dirty="0"/>
               <a:t>함수를 불러서 사용해 보기 </a:t>
             </a:r>
           </a:p>
           <a:p>
-            <a:pPr marL="114300" lvl="0" indent="0" algn="l" rtl="0">
-              <a:spcBef>
-                <a:spcPts val="0"/>
-              </a:spcBef>
-              <a:spcAft>
-                <a:spcPts val="0"/>
-              </a:spcAft>
-              <a:buSzPts val="1800"/>
+            <a:pPr marL="114300" indent="0">
               <a:buNone/>
             </a:pPr>
             <a:r>
@@ -8340,14 +7894,7 @@
             </a:r>
           </a:p>
           <a:p>
-            <a:pPr marL="114300" lvl="0" indent="0" algn="l" rtl="0">
-              <a:spcBef>
-                <a:spcPts val="0"/>
-              </a:spcBef>
-              <a:spcAft>
-                <a:spcPts val="0"/>
-              </a:spcAft>
-              <a:buSzPts val="1800"/>
+            <a:pPr marL="114300" indent="0">
               <a:buNone/>
             </a:pPr>
             <a:r>
@@ -8357,7 +7904,7 @@
             <a:endParaRPr dirty="0"/>
           </a:p>
           <a:p>
-            <a:pPr marL="1371600" lvl="0" indent="0" algn="l" rtl="0">
+            <a:pPr marL="1371600" indent="0">
               <a:spcBef>
                 <a:spcPts val="1200"/>
               </a:spcBef>
@@ -8390,7 +7937,7 @@
         </p:blipFill>
         <p:spPr>
           <a:xfrm>
-            <a:off x="762000" y="2881313"/>
+            <a:off x="2286000" y="2881314"/>
             <a:ext cx="6934200" cy="866775"/>
           </a:xfrm>
           <a:prstGeom prst="rect">
@@ -8439,7 +7986,7 @@
         </p:nvSpPr>
         <p:spPr>
           <a:xfrm>
-            <a:off x="311700" y="593367"/>
+            <a:off x="1835700" y="593367"/>
             <a:ext cx="8520600" cy="763500"/>
           </a:xfrm>
           <a:prstGeom prst="rect">
@@ -8452,15 +7999,6 @@
           </a:bodyPr>
           <a:lstStyle/>
           <a:p>
-            <a:pPr marL="0" lvl="0" indent="0" algn="l" rtl="0">
-              <a:spcBef>
-                <a:spcPts val="0"/>
-              </a:spcBef>
-              <a:spcAft>
-                <a:spcPts val="0"/>
-              </a:spcAft>
-              <a:buNone/>
-            </a:pPr>
             <a:r>
               <a:rPr lang="en" b="1"/>
               <a:t>함수 불러서 사용하기  </a:t>
@@ -8485,7 +8023,7 @@
         </p:blipFill>
         <p:spPr>
           <a:xfrm>
-            <a:off x="519113" y="2528442"/>
+            <a:off x="2043113" y="2528443"/>
             <a:ext cx="7010400" cy="1000125"/>
           </a:xfrm>
           <a:prstGeom prst="rect">
@@ -8505,7 +8043,7 @@
         </p:nvSpPr>
         <p:spPr>
           <a:xfrm>
-            <a:off x="457200" y="1362075"/>
+            <a:off x="1981200" y="1362075"/>
             <a:ext cx="6981900" cy="1046700"/>
           </a:xfrm>
           <a:prstGeom prst="rect">
@@ -8522,13 +8060,7 @@
           </a:bodyPr>
           <a:lstStyle/>
           <a:p>
-            <a:pPr marL="457200" lvl="0" indent="-317500" algn="l" rtl="0">
-              <a:spcBef>
-                <a:spcPts val="0"/>
-              </a:spcBef>
-              <a:spcAft>
-                <a:spcPts val="0"/>
-              </a:spcAft>
+            <a:pPr marL="457200" indent="-317500">
               <a:buSzPts val="1400"/>
               <a:buChar char="●"/>
             </a:pPr>
@@ -8539,27 +8071,11 @@
             <a:endParaRPr/>
           </a:p>
           <a:p>
-            <a:pPr marL="457200" lvl="0" indent="0" algn="l" rtl="0">
-              <a:spcBef>
-                <a:spcPts val="0"/>
-              </a:spcBef>
-              <a:spcAft>
-                <a:spcPts val="0"/>
-              </a:spcAft>
-              <a:buNone/>
-            </a:pPr>
+            <a:pPr marL="457200"/>
             <a:endParaRPr/>
           </a:p>
           <a:p>
-            <a:pPr marL="457200" lvl="0" indent="0" algn="l" rtl="0">
-              <a:spcBef>
-                <a:spcPts val="0"/>
-              </a:spcBef>
-              <a:spcAft>
-                <a:spcPts val="0"/>
-              </a:spcAft>
-              <a:buNone/>
-            </a:pPr>
+            <a:pPr marL="457200"/>
             <a:r>
               <a:rPr lang="en" b="1">
                 <a:solidFill>
@@ -8584,7 +8100,7 @@
         </p:nvSpPr>
         <p:spPr>
           <a:xfrm>
-            <a:off x="457200" y="3571875"/>
+            <a:off x="1981200" y="3571875"/>
             <a:ext cx="6981900" cy="1046700"/>
           </a:xfrm>
           <a:prstGeom prst="rect">
@@ -8601,13 +8117,7 @@
           </a:bodyPr>
           <a:lstStyle/>
           <a:p>
-            <a:pPr marL="457200" lvl="0" indent="-317500" algn="l" rtl="0">
-              <a:spcBef>
-                <a:spcPts val="0"/>
-              </a:spcBef>
-              <a:spcAft>
-                <a:spcPts val="0"/>
-              </a:spcAft>
+            <a:pPr marL="457200" indent="-317500">
               <a:buSzPts val="1400"/>
               <a:buChar char="●"/>
             </a:pPr>
@@ -8618,15 +8128,7 @@
             <a:endParaRPr/>
           </a:p>
           <a:p>
-            <a:pPr marL="457200" lvl="0" indent="0" algn="l" rtl="0">
-              <a:spcBef>
-                <a:spcPts val="0"/>
-              </a:spcBef>
-              <a:spcAft>
-                <a:spcPts val="0"/>
-              </a:spcAft>
-              <a:buNone/>
-            </a:pPr>
+            <a:pPr marL="457200"/>
             <a:r>
               <a:rPr lang="en"/>
               <a:t> </a:t>
@@ -8634,15 +8136,7 @@
             <a:endParaRPr/>
           </a:p>
           <a:p>
-            <a:pPr marL="457200" lvl="0" indent="0" algn="l" rtl="0">
-              <a:spcBef>
-                <a:spcPts val="0"/>
-              </a:spcBef>
-              <a:spcAft>
-                <a:spcPts val="0"/>
-              </a:spcAft>
-              <a:buNone/>
-            </a:pPr>
+            <a:pPr marL="457200"/>
             <a:r>
               <a:rPr lang="en" b="1">
                 <a:solidFill>
@@ -8675,7 +8169,7 @@
         </p:blipFill>
         <p:spPr>
           <a:xfrm>
-            <a:off x="481050" y="4780500"/>
+            <a:off x="2005050" y="4780500"/>
             <a:ext cx="6934200" cy="1314450"/>
           </a:xfrm>
           <a:prstGeom prst="rect">
@@ -8724,7 +8218,7 @@
         </p:nvSpPr>
         <p:spPr>
           <a:xfrm>
-            <a:off x="311700" y="593367"/>
+            <a:off x="1835700" y="593367"/>
             <a:ext cx="8520600" cy="763500"/>
           </a:xfrm>
           <a:prstGeom prst="rect">
@@ -8737,15 +8231,6 @@
           </a:bodyPr>
           <a:lstStyle/>
           <a:p>
-            <a:pPr marL="0" lvl="0" indent="0" algn="l" rtl="0">
-              <a:spcBef>
-                <a:spcPts val="0"/>
-              </a:spcBef>
-              <a:spcAft>
-                <a:spcPts val="0"/>
-              </a:spcAft>
-              <a:buNone/>
-            </a:pPr>
             <a:r>
               <a:rPr lang="en" b="1"/>
               <a:t>함수 - 퀴즈</a:t>
@@ -8766,7 +8251,7 @@
         </p:nvSpPr>
         <p:spPr>
           <a:xfrm>
-            <a:off x="311700" y="1536633"/>
+            <a:off x="1835700" y="1536633"/>
             <a:ext cx="8520600" cy="4555200"/>
           </a:xfrm>
           <a:prstGeom prst="rect">
@@ -8779,16 +8264,6 @@
           </a:bodyPr>
           <a:lstStyle/>
           <a:p>
-            <a:pPr marL="457200" lvl="0" indent="-342900" algn="l" rtl="0">
-              <a:spcBef>
-                <a:spcPts val="0"/>
-              </a:spcBef>
-              <a:spcAft>
-                <a:spcPts val="0"/>
-              </a:spcAft>
-              <a:buSzPts val="1800"/>
-              <a:buChar char="●"/>
-            </a:pPr>
             <a:r>
               <a:rPr lang="en"/>
               <a:t>터틀 그래픽을 이용해서 정사각형, 정삼각형을 그려 봅시다.</a:t>
@@ -8796,16 +8271,6 @@
             <a:endParaRPr/>
           </a:p>
           <a:p>
-            <a:pPr marL="457200" lvl="0" indent="-342900" algn="l" rtl="0">
-              <a:spcBef>
-                <a:spcPts val="0"/>
-              </a:spcBef>
-              <a:spcAft>
-                <a:spcPts val="0"/>
-              </a:spcAft>
-              <a:buSzPts val="1800"/>
-              <a:buChar char="●"/>
-            </a:pPr>
             <a:r>
               <a:rPr lang="en"/>
               <a:t>터틀 그래픽을 이용해서 n각형을 그려 봅시다.  </a:t>
@@ -8851,7 +8316,7 @@
         </p:nvSpPr>
         <p:spPr>
           <a:xfrm>
-            <a:off x="311700" y="593367"/>
+            <a:off x="1835700" y="593367"/>
             <a:ext cx="8520600" cy="763500"/>
           </a:xfrm>
           <a:prstGeom prst="rect">
@@ -8864,15 +8329,6 @@
           </a:bodyPr>
           <a:lstStyle/>
           <a:p>
-            <a:pPr marL="0" lvl="0" indent="0" algn="l" rtl="0">
-              <a:spcBef>
-                <a:spcPts val="0"/>
-              </a:spcBef>
-              <a:spcAft>
-                <a:spcPts val="0"/>
-              </a:spcAft>
-              <a:buNone/>
-            </a:pPr>
             <a:r>
               <a:rPr lang="en" b="1"/>
               <a:t>리턴값이 있는 함수 만들기 </a:t>
@@ -8893,7 +8349,7 @@
         </p:nvSpPr>
         <p:spPr>
           <a:xfrm>
-            <a:off x="311700" y="1536600"/>
+            <a:off x="1835700" y="1536600"/>
             <a:ext cx="8520600" cy="4483200"/>
           </a:xfrm>
           <a:prstGeom prst="rect">
@@ -8906,16 +8362,6 @@
           </a:bodyPr>
           <a:lstStyle/>
           <a:p>
-            <a:pPr marL="457200" lvl="0" indent="-342900" algn="l" rtl="0">
-              <a:spcBef>
-                <a:spcPts val="0"/>
-              </a:spcBef>
-              <a:spcAft>
-                <a:spcPts val="0"/>
-              </a:spcAft>
-              <a:buSzPts val="1800"/>
-              <a:buChar char="●"/>
-            </a:pPr>
             <a:r>
               <a:rPr lang="en"/>
               <a:t>파이썬에서 사용하는 ‘함수’는 수학에서 사용하는 함수를 빌려온 것 입니다. </a:t>
@@ -8923,16 +8369,6 @@
             <a:endParaRPr/>
           </a:p>
           <a:p>
-            <a:pPr marL="457200" lvl="0" indent="-342900" algn="l" rtl="0">
-              <a:spcBef>
-                <a:spcPts val="0"/>
-              </a:spcBef>
-              <a:spcAft>
-                <a:spcPts val="0"/>
-              </a:spcAft>
-              <a:buSzPts val="1800"/>
-              <a:buChar char="●"/>
-            </a:pPr>
             <a:r>
               <a:rPr lang="en"/>
               <a:t>수학에서 함수는 리턴값이 있습니다. </a:t>
@@ -8940,87 +8376,64 @@
             <a:endParaRPr/>
           </a:p>
           <a:p>
-            <a:pPr marL="0" lvl="0" indent="0" algn="l" rtl="0">
+            <a:pPr marL="0" indent="0">
               <a:spcBef>
                 <a:spcPts val="1200"/>
               </a:spcBef>
-              <a:spcAft>
-                <a:spcPts val="0"/>
-              </a:spcAft>
               <a:buNone/>
             </a:pPr>
             <a:endParaRPr/>
           </a:p>
           <a:p>
-            <a:pPr marL="0" lvl="0" indent="0" algn="l" rtl="0">
+            <a:pPr marL="0" indent="0">
               <a:spcBef>
                 <a:spcPts val="1200"/>
               </a:spcBef>
-              <a:spcAft>
-                <a:spcPts val="0"/>
-              </a:spcAft>
               <a:buNone/>
             </a:pPr>
             <a:endParaRPr/>
           </a:p>
           <a:p>
-            <a:pPr marL="0" lvl="0" indent="0" algn="l" rtl="0">
+            <a:pPr marL="0" indent="0">
               <a:spcBef>
                 <a:spcPts val="1200"/>
               </a:spcBef>
-              <a:spcAft>
-                <a:spcPts val="0"/>
-              </a:spcAft>
               <a:buNone/>
             </a:pPr>
             <a:endParaRPr/>
           </a:p>
           <a:p>
-            <a:pPr marL="0" lvl="0" indent="0" algn="l" rtl="0">
+            <a:pPr marL="0" indent="0">
               <a:spcBef>
                 <a:spcPts val="1200"/>
               </a:spcBef>
-              <a:spcAft>
-                <a:spcPts val="0"/>
-              </a:spcAft>
               <a:buNone/>
             </a:pPr>
             <a:endParaRPr/>
           </a:p>
           <a:p>
-            <a:pPr marL="0" lvl="0" indent="0" algn="l" rtl="0">
+            <a:pPr marL="0" indent="0">
               <a:spcBef>
                 <a:spcPts val="1200"/>
               </a:spcBef>
-              <a:spcAft>
-                <a:spcPts val="0"/>
-              </a:spcAft>
               <a:buNone/>
             </a:pPr>
             <a:endParaRPr/>
           </a:p>
           <a:p>
-            <a:pPr marL="0" lvl="0" indent="0" algn="l" rtl="0">
+            <a:pPr marL="0" indent="0">
               <a:spcBef>
                 <a:spcPts val="1200"/>
               </a:spcBef>
-              <a:spcAft>
-                <a:spcPts val="0"/>
-              </a:spcAft>
               <a:buNone/>
             </a:pPr>
             <a:endParaRPr/>
           </a:p>
           <a:p>
-            <a:pPr marL="457200" lvl="0" indent="-342900" algn="l" rtl="0">
+            <a:pPr>
               <a:spcBef>
                 <a:spcPts val="1200"/>
               </a:spcBef>
-              <a:spcAft>
-                <a:spcPts val="0"/>
-              </a:spcAft>
-              <a:buSzPts val="1800"/>
-              <a:buChar char="●"/>
             </a:pPr>
             <a:r>
               <a:rPr lang="en"/>
@@ -9046,7 +8459,7 @@
         </p:blipFill>
         <p:spPr>
           <a:xfrm>
-            <a:off x="1276350" y="2476525"/>
+            <a:off x="2800350" y="2476525"/>
             <a:ext cx="2571750" cy="2512400"/>
           </a:xfrm>
           <a:prstGeom prst="rect">
@@ -9095,7 +8508,7 @@
         </p:nvSpPr>
         <p:spPr>
           <a:xfrm>
-            <a:off x="311700" y="593367"/>
+            <a:off x="1835700" y="593367"/>
             <a:ext cx="8520600" cy="763500"/>
           </a:xfrm>
           <a:prstGeom prst="rect">
@@ -9108,15 +8521,6 @@
           </a:bodyPr>
           <a:lstStyle/>
           <a:p>
-            <a:pPr marL="0" lvl="0" indent="0" algn="l" rtl="0">
-              <a:spcBef>
-                <a:spcPts val="0"/>
-              </a:spcBef>
-              <a:spcAft>
-                <a:spcPts val="0"/>
-              </a:spcAft>
-              <a:buNone/>
-            </a:pPr>
             <a:r>
               <a:rPr lang="en" b="1"/>
               <a:t>출력값이 있는 함수 만들기 </a:t>
@@ -9137,7 +8541,7 @@
         </p:nvSpPr>
         <p:spPr>
           <a:xfrm>
-            <a:off x="311700" y="1231823"/>
+            <a:off x="1835700" y="1231823"/>
             <a:ext cx="8520600" cy="5502300"/>
           </a:xfrm>
           <a:prstGeom prst="rect">
@@ -9146,20 +8550,10 @@
         </p:spPr>
         <p:txBody>
           <a:bodyPr spcFirstLastPara="1" wrap="square" lIns="91425" tIns="91425" rIns="91425" bIns="91425" anchor="t" anchorCtr="0">
-            <a:normAutofit lnSpcReduction="20000"/>
+            <a:normAutofit/>
           </a:bodyPr>
           <a:lstStyle/>
           <a:p>
-            <a:pPr marL="457200" lvl="0" indent="-342900" algn="l" rtl="0">
-              <a:spcBef>
-                <a:spcPts val="0"/>
-              </a:spcBef>
-              <a:spcAft>
-                <a:spcPts val="0"/>
-              </a:spcAft>
-              <a:buSzPts val="1800"/>
-              <a:buChar char="●"/>
-            </a:pPr>
             <a:r>
               <a:rPr lang="en"/>
               <a:t>출력값이 있는 함수를 만들기 위해서는 “return”이라는 명령어를 사용합니다. </a:t>
@@ -9167,16 +8561,6 @@
             <a:endParaRPr/>
           </a:p>
           <a:p>
-            <a:pPr marL="457200" lvl="0" indent="-342900" algn="l" rtl="0">
-              <a:spcBef>
-                <a:spcPts val="0"/>
-              </a:spcBef>
-              <a:spcAft>
-                <a:spcPts val="0"/>
-              </a:spcAft>
-              <a:buSzPts val="1800"/>
-              <a:buChar char="●"/>
-            </a:pPr>
             <a:r>
               <a:rPr lang="en"/>
               <a:t>더하기 함수를 출력값이 있는 함수로 다시 만들어 봅시다. </a:t>
@@ -9184,51 +8568,37 @@
             <a:endParaRPr/>
           </a:p>
           <a:p>
-            <a:pPr marL="457200" lvl="0" indent="0" algn="l" rtl="0">
+            <a:pPr indent="0">
               <a:spcBef>
                 <a:spcPts val="1200"/>
               </a:spcBef>
-              <a:spcAft>
-                <a:spcPts val="0"/>
-              </a:spcAft>
               <a:buNone/>
             </a:pPr>
             <a:endParaRPr/>
           </a:p>
           <a:p>
-            <a:pPr marL="0" lvl="0" indent="0" algn="l" rtl="0">
+            <a:pPr marL="0" indent="0">
               <a:spcBef>
                 <a:spcPts val="1200"/>
               </a:spcBef>
-              <a:spcAft>
-                <a:spcPts val="0"/>
-              </a:spcAft>
               <a:buNone/>
             </a:pPr>
             <a:endParaRPr/>
           </a:p>
           <a:p>
-            <a:pPr marL="0" lvl="0" indent="0" algn="l" rtl="0">
+            <a:pPr marL="0" indent="0">
               <a:spcBef>
                 <a:spcPts val="1200"/>
               </a:spcBef>
-              <a:spcAft>
-                <a:spcPts val="0"/>
-              </a:spcAft>
               <a:buNone/>
             </a:pPr>
             <a:endParaRPr/>
           </a:p>
           <a:p>
-            <a:pPr marL="457200" lvl="0" indent="-342900" algn="l" rtl="0">
+            <a:pPr>
               <a:spcBef>
                 <a:spcPts val="1200"/>
               </a:spcBef>
-              <a:spcAft>
-                <a:spcPts val="0"/>
-              </a:spcAft>
-              <a:buSzPts val="1800"/>
-              <a:buChar char="●"/>
             </a:pPr>
             <a:r>
               <a:rPr lang="en"/>
@@ -9237,16 +8607,6 @@
             <a:endParaRPr/>
           </a:p>
           <a:p>
-            <a:pPr marL="457200" lvl="0" indent="-342900" algn="l" rtl="0">
-              <a:spcBef>
-                <a:spcPts val="0"/>
-              </a:spcBef>
-              <a:spcAft>
-                <a:spcPts val="0"/>
-              </a:spcAft>
-              <a:buSzPts val="1800"/>
-              <a:buChar char="●"/>
-            </a:pPr>
             <a:r>
               <a:rPr lang="en"/>
               <a:t>출력값 즉 돌려주기를 하는 함수를 불러서 사용하는 방법은 다음과 같습니다. </a:t>
@@ -9254,67 +8614,52 @@
             <a:endParaRPr/>
           </a:p>
           <a:p>
-            <a:pPr marL="0" lvl="0" indent="0" algn="l" rtl="0">
+            <a:pPr marL="0" indent="0">
               <a:spcBef>
                 <a:spcPts val="1200"/>
               </a:spcBef>
-              <a:spcAft>
-                <a:spcPts val="0"/>
-              </a:spcAft>
               <a:buNone/>
             </a:pPr>
             <a:endParaRPr/>
           </a:p>
           <a:p>
-            <a:pPr marL="0" lvl="0" indent="0" algn="l" rtl="0">
+            <a:pPr marL="0" indent="0">
               <a:spcBef>
                 <a:spcPts val="1200"/>
               </a:spcBef>
-              <a:spcAft>
-                <a:spcPts val="0"/>
-              </a:spcAft>
               <a:buNone/>
             </a:pPr>
             <a:endParaRPr/>
           </a:p>
           <a:p>
-            <a:pPr marL="0" lvl="0" indent="0" algn="l" rtl="0">
+            <a:pPr marL="0" indent="0">
               <a:spcBef>
                 <a:spcPts val="1200"/>
               </a:spcBef>
-              <a:spcAft>
-                <a:spcPts val="0"/>
-              </a:spcAft>
               <a:buNone/>
             </a:pPr>
             <a:endParaRPr/>
           </a:p>
           <a:p>
-            <a:pPr marL="0" lvl="0" indent="0" algn="l" rtl="0">
+            <a:pPr marL="0" indent="0">
               <a:spcBef>
                 <a:spcPts val="1200"/>
               </a:spcBef>
-              <a:spcAft>
-                <a:spcPts val="0"/>
-              </a:spcAft>
               <a:buNone/>
             </a:pPr>
             <a:endParaRPr/>
           </a:p>
           <a:p>
-            <a:pPr marL="0" lvl="0" indent="0" algn="l" rtl="0">
+            <a:pPr marL="0" indent="0">
               <a:spcBef>
                 <a:spcPts val="1200"/>
               </a:spcBef>
-              <a:spcAft>
-                <a:spcPts val="0"/>
-              </a:spcAft>
               <a:buNone/>
             </a:pPr>
             <a:endParaRPr/>
           </a:p>
           <a:p>
-            <a:pPr marL="457200" lvl="0" indent="0" algn="l" rtl="0">
+            <a:pPr indent="0">
               <a:spcBef>
                 <a:spcPts val="1200"/>
               </a:spcBef>
@@ -9343,7 +8688,7 @@
         </p:blipFill>
         <p:spPr>
           <a:xfrm>
-            <a:off x="671513" y="2352663"/>
+            <a:off x="2195514" y="2352664"/>
             <a:ext cx="6924675" cy="771525"/>
           </a:xfrm>
           <a:prstGeom prst="rect">
@@ -9371,7 +8716,7 @@
         </p:blipFill>
         <p:spPr>
           <a:xfrm>
-            <a:off x="671513" y="4305300"/>
+            <a:off x="2195514" y="4305300"/>
             <a:ext cx="6924675" cy="1485900"/>
           </a:xfrm>
           <a:prstGeom prst="rect">
@@ -9420,7 +8765,7 @@
         </p:nvSpPr>
         <p:spPr>
           <a:xfrm>
-            <a:off x="311700" y="593367"/>
+            <a:off x="1835700" y="593367"/>
             <a:ext cx="8520600" cy="763500"/>
           </a:xfrm>
           <a:prstGeom prst="rect">
@@ -9433,15 +8778,6 @@
           </a:bodyPr>
           <a:lstStyle/>
           <a:p>
-            <a:pPr marL="0" lvl="0" indent="0" algn="l" rtl="0">
-              <a:spcBef>
-                <a:spcPts val="0"/>
-              </a:spcBef>
-              <a:spcAft>
-                <a:spcPts val="0"/>
-              </a:spcAft>
-              <a:buNone/>
-            </a:pPr>
             <a:r>
               <a:rPr lang="en" b="1"/>
               <a:t>출력값이 있는 함수 만들기 </a:t>
@@ -9462,7 +8798,7 @@
         </p:nvSpPr>
         <p:spPr>
           <a:xfrm>
-            <a:off x="311700" y="1536633"/>
+            <a:off x="1835700" y="1536633"/>
             <a:ext cx="8520600" cy="4555200"/>
           </a:xfrm>
           <a:prstGeom prst="rect">
@@ -9475,16 +8811,6 @@
           </a:bodyPr>
           <a:lstStyle/>
           <a:p>
-            <a:pPr marL="457200" lvl="0" indent="-342900" algn="l" rtl="0">
-              <a:spcBef>
-                <a:spcPts val="0"/>
-              </a:spcBef>
-              <a:spcAft>
-                <a:spcPts val="0"/>
-              </a:spcAft>
-              <a:buSzPts val="1800"/>
-              <a:buChar char="●"/>
-            </a:pPr>
             <a:r>
               <a:rPr lang="en"/>
               <a:t>출력값이 있는 함수는 출력값을 돌려주기 때문에, 함수를 불러 사용할 때 이 출력값을 받아야 합니다. </a:t>
@@ -9492,63 +8818,46 @@
             <a:endParaRPr/>
           </a:p>
           <a:p>
-            <a:pPr marL="0" lvl="0" indent="0" algn="l" rtl="0">
+            <a:pPr marL="0" indent="0">
               <a:spcBef>
                 <a:spcPts val="1200"/>
               </a:spcBef>
-              <a:spcAft>
-                <a:spcPts val="0"/>
-              </a:spcAft>
               <a:buNone/>
             </a:pPr>
             <a:endParaRPr/>
           </a:p>
           <a:p>
-            <a:pPr marL="0" lvl="0" indent="0" algn="l" rtl="0">
+            <a:pPr marL="0" indent="0">
               <a:spcBef>
                 <a:spcPts val="1200"/>
               </a:spcBef>
-              <a:spcAft>
-                <a:spcPts val="0"/>
-              </a:spcAft>
               <a:buNone/>
             </a:pPr>
             <a:endParaRPr/>
           </a:p>
           <a:p>
-            <a:pPr marL="0" lvl="0" indent="0" algn="l" rtl="0">
+            <a:pPr marL="0" indent="0">
               <a:spcBef>
                 <a:spcPts val="1200"/>
               </a:spcBef>
-              <a:spcAft>
-                <a:spcPts val="0"/>
-              </a:spcAft>
               <a:buNone/>
             </a:pPr>
             <a:endParaRPr/>
           </a:p>
           <a:p>
-            <a:pPr marL="0" lvl="0" indent="0" algn="l" rtl="0">
+            <a:pPr marL="0" indent="0">
               <a:spcBef>
                 <a:spcPts val="1200"/>
               </a:spcBef>
-              <a:spcAft>
-                <a:spcPts val="0"/>
-              </a:spcAft>
               <a:buNone/>
             </a:pPr>
             <a:endParaRPr/>
           </a:p>
           <a:p>
-            <a:pPr marL="457200" lvl="0" indent="-342900" algn="l" rtl="0">
+            <a:pPr>
               <a:spcBef>
                 <a:spcPts val="1200"/>
               </a:spcBef>
-              <a:spcAft>
-                <a:spcPts val="0"/>
-              </a:spcAft>
-              <a:buSzPts val="1800"/>
-              <a:buChar char="●"/>
             </a:pPr>
             <a:r>
               <a:rPr lang="en"/>
@@ -9557,16 +8866,6 @@
             <a:endParaRPr/>
           </a:p>
           <a:p>
-            <a:pPr marL="457200" lvl="0" indent="-342900" algn="l" rtl="0">
-              <a:spcBef>
-                <a:spcPts val="0"/>
-              </a:spcBef>
-              <a:spcAft>
-                <a:spcPts val="0"/>
-              </a:spcAft>
-              <a:buSzPts val="1800"/>
-              <a:buChar char="●"/>
-            </a:pPr>
             <a:r>
               <a:rPr lang="en"/>
               <a:t>이 것을 다음과 같이 간단히 할 수도 있습니다. </a:t>
@@ -9591,7 +8890,7 @@
         </p:blipFill>
         <p:spPr>
           <a:xfrm>
-            <a:off x="661988" y="2343150"/>
+            <a:off x="2185989" y="2343150"/>
             <a:ext cx="6924675" cy="1485900"/>
           </a:xfrm>
           <a:prstGeom prst="rect">
@@ -9619,7 +8918,7 @@
         </p:blipFill>
         <p:spPr>
           <a:xfrm>
-            <a:off x="652463" y="5300663"/>
+            <a:off x="2176464" y="5300664"/>
             <a:ext cx="6943725" cy="1304925"/>
           </a:xfrm>
           <a:prstGeom prst="rect">
